--- a/Kahoot_Files_Beta_ADL/Presentacion CLON KAHOOT.pptx
+++ b/Kahoot_Files_Beta_ADL/Presentacion CLON KAHOOT.pptx
@@ -6,6 +6,9 @@
   </p:sldMasterIdLst>
   <p:sldIdLst>
     <p:sldId id="256" r:id="rId2"/>
+    <p:sldId id="257" r:id="rId3"/>
+    <p:sldId id="258" r:id="rId4"/>
+    <p:sldId id="259" r:id="rId5"/>
   </p:sldIdLst>
   <p:sldSz cx="12192000" cy="6858000"/>
   <p:notesSz cx="6858000" cy="9144000"/>
@@ -104,6 +107,11 @@
       </a:defRPr>
     </a:lvl9pPr>
   </p:defaultTextStyle>
+  <p:extLst>
+    <p:ext uri="{EFAFB233-063F-42B5-8137-9DF3F51BA10A}">
+      <p15:sldGuideLst xmlns:p15="http://schemas.microsoft.com/office/powerpoint/2012/main"/>
+    </p:ext>
+  </p:extLst>
 </p:presentation>
 </file>
 
@@ -111,19 +119,19 @@
 <pc:chgInfo xmlns:a="http://schemas.openxmlformats.org/drawingml/2006/main" xmlns:r="http://schemas.openxmlformats.org/officeDocument/2006/relationships" xmlns:ac="http://schemas.microsoft.com/office/drawing/2013/main/command" xmlns:pc="http://schemas.microsoft.com/office/powerpoint/2013/main/command">
   <pc:docChgLst>
     <pc:chgData name="YENI KATERINE CORDOBA VALENCIA" userId="a991a73ee19c1728" providerId="LiveId" clId="{34673879-890C-4951-81B8-33868B2EF45E}"/>
-    <pc:docChg chg="modSld">
-      <pc:chgData name="YENI KATERINE CORDOBA VALENCIA" userId="a991a73ee19c1728" providerId="LiveId" clId="{34673879-890C-4951-81B8-33868B2EF45E}" dt="2023-11-30T13:14:00.037" v="40" actId="120"/>
+    <pc:docChg chg="undo custSel addSld modSld">
+      <pc:chgData name="YENI KATERINE CORDOBA VALENCIA" userId="a991a73ee19c1728" providerId="LiveId" clId="{34673879-890C-4951-81B8-33868B2EF45E}" dt="2023-11-30T13:58:48.104" v="672" actId="680"/>
       <pc:docMkLst>
         <pc:docMk/>
       </pc:docMkLst>
-      <pc:sldChg chg="modSp mod setBg">
-        <pc:chgData name="YENI KATERINE CORDOBA VALENCIA" userId="a991a73ee19c1728" providerId="LiveId" clId="{34673879-890C-4951-81B8-33868B2EF45E}" dt="2023-11-30T13:14:00.037" v="40" actId="120"/>
+      <pc:sldChg chg="addSp modSp mod setBg">
+        <pc:chgData name="YENI KATERINE CORDOBA VALENCIA" userId="a991a73ee19c1728" providerId="LiveId" clId="{34673879-890C-4951-81B8-33868B2EF45E}" dt="2023-11-30T13:25:14.696" v="116" actId="1076"/>
         <pc:sldMkLst>
           <pc:docMk/>
           <pc:sldMk cId="1348224455" sldId="256"/>
         </pc:sldMkLst>
         <pc:spChg chg="mod">
-          <ac:chgData name="YENI KATERINE CORDOBA VALENCIA" userId="a991a73ee19c1728" providerId="LiveId" clId="{34673879-890C-4951-81B8-33868B2EF45E}" dt="2023-11-30T13:13:28.761" v="37" actId="20577"/>
+          <ac:chgData name="YENI KATERINE CORDOBA VALENCIA" userId="a991a73ee19c1728" providerId="LiveId" clId="{34673879-890C-4951-81B8-33868B2EF45E}" dt="2023-11-30T13:25:04.298" v="115" actId="20577"/>
           <ac:spMkLst>
             <pc:docMk/>
             <pc:sldMk cId="1348224455" sldId="256"/>
@@ -131,13 +139,162 @@
           </ac:spMkLst>
         </pc:spChg>
         <pc:spChg chg="mod">
-          <ac:chgData name="YENI KATERINE CORDOBA VALENCIA" userId="a991a73ee19c1728" providerId="LiveId" clId="{34673879-890C-4951-81B8-33868B2EF45E}" dt="2023-11-30T13:14:00.037" v="40" actId="120"/>
+          <ac:chgData name="YENI KATERINE CORDOBA VALENCIA" userId="a991a73ee19c1728" providerId="LiveId" clId="{34673879-890C-4951-81B8-33868B2EF45E}" dt="2023-11-30T13:17:21.320" v="44" actId="2711"/>
           <ac:spMkLst>
             <pc:docMk/>
             <pc:sldMk cId="1348224455" sldId="256"/>
             <ac:spMk id="3" creationId="{793815F3-2819-4E8B-EC63-39F42E0AAB6F}"/>
           </ac:spMkLst>
         </pc:spChg>
+        <pc:picChg chg="add mod">
+          <ac:chgData name="YENI KATERINE CORDOBA VALENCIA" userId="a991a73ee19c1728" providerId="LiveId" clId="{34673879-890C-4951-81B8-33868B2EF45E}" dt="2023-11-30T13:25:14.696" v="116" actId="1076"/>
+          <ac:picMkLst>
+            <pc:docMk/>
+            <pc:sldMk cId="1348224455" sldId="256"/>
+            <ac:picMk id="5" creationId="{D40277F6-BB00-AFF4-BA47-EE5592A348C0}"/>
+          </ac:picMkLst>
+        </pc:picChg>
+      </pc:sldChg>
+      <pc:sldChg chg="addSp delSp modSp new mod setBg">
+        <pc:chgData name="YENI KATERINE CORDOBA VALENCIA" userId="a991a73ee19c1728" providerId="LiveId" clId="{34673879-890C-4951-81B8-33868B2EF45E}" dt="2023-11-30T13:28:54.837" v="167" actId="20577"/>
+        <pc:sldMkLst>
+          <pc:docMk/>
+          <pc:sldMk cId="4145735452" sldId="257"/>
+        </pc:sldMkLst>
+        <pc:spChg chg="mod">
+          <ac:chgData name="YENI KATERINE CORDOBA VALENCIA" userId="a991a73ee19c1728" providerId="LiveId" clId="{34673879-890C-4951-81B8-33868B2EF45E}" dt="2023-11-30T13:28:54.837" v="167" actId="20577"/>
+          <ac:spMkLst>
+            <pc:docMk/>
+            <pc:sldMk cId="4145735452" sldId="257"/>
+            <ac:spMk id="2" creationId="{561FF3BA-B4E1-7855-54CD-C54955F19355}"/>
+          </ac:spMkLst>
+        </pc:spChg>
+        <pc:spChg chg="mod">
+          <ac:chgData name="YENI KATERINE CORDOBA VALENCIA" userId="a991a73ee19c1728" providerId="LiveId" clId="{34673879-890C-4951-81B8-33868B2EF45E}" dt="2023-11-30T13:28:18.839" v="160" actId="403"/>
+          <ac:spMkLst>
+            <pc:docMk/>
+            <pc:sldMk cId="4145735452" sldId="257"/>
+            <ac:spMk id="3" creationId="{A0E3A1D3-4CEE-752B-C61B-8C9994062934}"/>
+          </ac:spMkLst>
+        </pc:spChg>
+        <pc:graphicFrameChg chg="add del modGraphic">
+          <ac:chgData name="YENI KATERINE CORDOBA VALENCIA" userId="a991a73ee19c1728" providerId="LiveId" clId="{34673879-890C-4951-81B8-33868B2EF45E}" dt="2023-11-30T13:25:53.939" v="118" actId="478"/>
+          <ac:graphicFrameMkLst>
+            <pc:docMk/>
+            <pc:sldMk cId="4145735452" sldId="257"/>
+            <ac:graphicFrameMk id="5" creationId="{1A71C3C3-5AB1-0A56-CA2C-D02EAD6BB9C0}"/>
+          </ac:graphicFrameMkLst>
+        </pc:graphicFrameChg>
+        <pc:picChg chg="add mod">
+          <ac:chgData name="YENI KATERINE CORDOBA VALENCIA" userId="a991a73ee19c1728" providerId="LiveId" clId="{34673879-890C-4951-81B8-33868B2EF45E}" dt="2023-11-30T13:28:46.627" v="162" actId="1076"/>
+          <ac:picMkLst>
+            <pc:docMk/>
+            <pc:sldMk cId="4145735452" sldId="257"/>
+            <ac:picMk id="6" creationId="{CDDF041B-B0D6-F872-6FCC-50CA8460849A}"/>
+          </ac:picMkLst>
+        </pc:picChg>
+      </pc:sldChg>
+      <pc:sldChg chg="addSp delSp modSp new mod">
+        <pc:chgData name="YENI KATERINE CORDOBA VALENCIA" userId="a991a73ee19c1728" providerId="LiveId" clId="{34673879-890C-4951-81B8-33868B2EF45E}" dt="2023-11-30T13:58:04.950" v="671" actId="20577"/>
+        <pc:sldMkLst>
+          <pc:docMk/>
+          <pc:sldMk cId="406387641" sldId="258"/>
+        </pc:sldMkLst>
+        <pc:spChg chg="mod">
+          <ac:chgData name="YENI KATERINE CORDOBA VALENCIA" userId="a991a73ee19c1728" providerId="LiveId" clId="{34673879-890C-4951-81B8-33868B2EF45E}" dt="2023-11-30T13:35:54.733" v="219" actId="207"/>
+          <ac:spMkLst>
+            <pc:docMk/>
+            <pc:sldMk cId="406387641" sldId="258"/>
+            <ac:spMk id="2" creationId="{F952E4E8-310C-478C-283E-6C6DCC9A8EB7}"/>
+          </ac:spMkLst>
+        </pc:spChg>
+        <pc:spChg chg="del mod">
+          <ac:chgData name="YENI KATERINE CORDOBA VALENCIA" userId="a991a73ee19c1728" providerId="LiveId" clId="{34673879-890C-4951-81B8-33868B2EF45E}" dt="2023-11-30T13:44:21.164" v="322" actId="478"/>
+          <ac:spMkLst>
+            <pc:docMk/>
+            <pc:sldMk cId="406387641" sldId="258"/>
+            <ac:spMk id="3" creationId="{EB695567-F127-C891-B144-BD3E2D6A2E4D}"/>
+          </ac:spMkLst>
+        </pc:spChg>
+        <pc:spChg chg="add del mod">
+          <ac:chgData name="YENI KATERINE CORDOBA VALENCIA" userId="a991a73ee19c1728" providerId="LiveId" clId="{34673879-890C-4951-81B8-33868B2EF45E}" dt="2023-11-30T13:44:29.236" v="324" actId="478"/>
+          <ac:spMkLst>
+            <pc:docMk/>
+            <pc:sldMk cId="406387641" sldId="258"/>
+            <ac:spMk id="5" creationId="{6602ABC4-B028-73D5-4A62-06A15F0EB001}"/>
+          </ac:spMkLst>
+        </pc:spChg>
+        <pc:spChg chg="add mod">
+          <ac:chgData name="YENI KATERINE CORDOBA VALENCIA" userId="a991a73ee19c1728" providerId="LiveId" clId="{34673879-890C-4951-81B8-33868B2EF45E}" dt="2023-11-30T13:50:06.254" v="412" actId="1076"/>
+          <ac:spMkLst>
+            <pc:docMk/>
+            <pc:sldMk cId="406387641" sldId="258"/>
+            <ac:spMk id="6" creationId="{AEF705A7-0149-0CC4-0BE6-92703FF0545C}"/>
+          </ac:spMkLst>
+        </pc:spChg>
+        <pc:spChg chg="add mod">
+          <ac:chgData name="YENI KATERINE CORDOBA VALENCIA" userId="a991a73ee19c1728" providerId="LiveId" clId="{34673879-890C-4951-81B8-33868B2EF45E}" dt="2023-11-30T13:56:16.731" v="533"/>
+          <ac:spMkLst>
+            <pc:docMk/>
+            <pc:sldMk cId="406387641" sldId="258"/>
+            <ac:spMk id="9" creationId="{1593180C-7650-0907-AE33-5F123A083C4E}"/>
+          </ac:spMkLst>
+        </pc:spChg>
+        <pc:spChg chg="add mod">
+          <ac:chgData name="YENI KATERINE CORDOBA VALENCIA" userId="a991a73ee19c1728" providerId="LiveId" clId="{34673879-890C-4951-81B8-33868B2EF45E}" dt="2023-11-30T13:58:04.950" v="671" actId="20577"/>
+          <ac:spMkLst>
+            <pc:docMk/>
+            <pc:sldMk cId="406387641" sldId="258"/>
+            <ac:spMk id="11" creationId="{BA6228E8-D176-3BDC-5F41-96FF1C35005D}"/>
+          </ac:spMkLst>
+        </pc:spChg>
+        <pc:picChg chg="add del mod">
+          <ac:chgData name="YENI KATERINE CORDOBA VALENCIA" userId="a991a73ee19c1728" providerId="LiveId" clId="{34673879-890C-4951-81B8-33868B2EF45E}" dt="2023-11-30T13:52:52.081" v="434" actId="478"/>
+          <ac:picMkLst>
+            <pc:docMk/>
+            <pc:sldMk cId="406387641" sldId="258"/>
+            <ac:picMk id="7" creationId="{13ED6376-932F-2E4F-53DA-FF849A22E932}"/>
+          </ac:picMkLst>
+        </pc:picChg>
+        <pc:picChg chg="add del mod">
+          <ac:chgData name="YENI KATERINE CORDOBA VALENCIA" userId="a991a73ee19c1728" providerId="LiveId" clId="{34673879-890C-4951-81B8-33868B2EF45E}" dt="2023-11-30T13:38:46.933" v="286"/>
+          <ac:picMkLst>
+            <pc:docMk/>
+            <pc:sldMk cId="406387641" sldId="258"/>
+            <ac:picMk id="1026" creationId="{609AA398-5EFF-FA8E-B6A8-F63ED46DD635}"/>
+          </ac:picMkLst>
+        </pc:picChg>
+        <pc:picChg chg="add mod">
+          <ac:chgData name="YENI KATERINE CORDOBA VALENCIA" userId="a991a73ee19c1728" providerId="LiveId" clId="{34673879-890C-4951-81B8-33868B2EF45E}" dt="2023-11-30T13:49:53.852" v="411" actId="1076"/>
+          <ac:picMkLst>
+            <pc:docMk/>
+            <pc:sldMk cId="406387641" sldId="258"/>
+            <ac:picMk id="1028" creationId="{274D62B3-7127-7184-D21F-30194C87644F}"/>
+          </ac:picMkLst>
+        </pc:picChg>
+        <pc:picChg chg="add mod">
+          <ac:chgData name="YENI KATERINE CORDOBA VALENCIA" userId="a991a73ee19c1728" providerId="LiveId" clId="{34673879-890C-4951-81B8-33868B2EF45E}" dt="2023-11-30T13:55:39.870" v="529" actId="1076"/>
+          <ac:picMkLst>
+            <pc:docMk/>
+            <pc:sldMk cId="406387641" sldId="258"/>
+            <ac:picMk id="1030" creationId="{AB413885-42B9-FD9B-9D93-13E53DD745B3}"/>
+          </ac:picMkLst>
+        </pc:picChg>
+        <pc:picChg chg="add mod">
+          <ac:chgData name="YENI KATERINE CORDOBA VALENCIA" userId="a991a73ee19c1728" providerId="LiveId" clId="{34673879-890C-4951-81B8-33868B2EF45E}" dt="2023-11-30T13:55:57.185" v="531" actId="1076"/>
+          <ac:picMkLst>
+            <pc:docMk/>
+            <pc:sldMk cId="406387641" sldId="258"/>
+            <ac:picMk id="1032" creationId="{81E5505C-A57E-1D10-4028-274CBA39A752}"/>
+          </ac:picMkLst>
+        </pc:picChg>
+      </pc:sldChg>
+      <pc:sldChg chg="new">
+        <pc:chgData name="YENI KATERINE CORDOBA VALENCIA" userId="a991a73ee19c1728" providerId="LiveId" clId="{34673879-890C-4951-81B8-33868B2EF45E}" dt="2023-11-30T13:58:48.104" v="672" actId="680"/>
+        <pc:sldMkLst>
+          <pc:docMk/>
+          <pc:sldMk cId="4067705731" sldId="259"/>
+        </pc:sldMkLst>
       </pc:sldChg>
     </pc:docChg>
   </pc:docChgLst>
@@ -3423,7 +3580,7 @@
                 </a:solidFill>
                 <a:latin typeface="Arial Rounded MT Bold" panose="020F0704030504030204" pitchFamily="34" charset="0"/>
               </a:rPr>
-              <a:t>CLON DE KAHOOT</a:t>
+              <a:t>CLON DE					</a:t>
             </a:r>
             <a:endParaRPr lang="es-CO" b="1" dirty="0">
               <a:solidFill>
@@ -3454,8 +3611,120 @@
         </p:nvSpPr>
         <p:spPr/>
         <p:txBody>
-          <a:bodyPr/>
-          <a:lstStyle/>
+          <a:bodyPr>
+            <a:normAutofit fontScale="92500" lnSpcReduction="10000"/>
+          </a:bodyPr>
+          <a:lstStyle/>
+          <a:p>
+            <a:pPr algn="ctr" rtl="0" fontAlgn="base"/>
+            <a:r>
+              <a:rPr lang="es-CO" sz="1800" b="0" i="0" dirty="0">
+                <a:solidFill>
+                  <a:schemeClr val="bg1"/>
+                </a:solidFill>
+                <a:effectLst/>
+                <a:latin typeface="Arial Narrow" panose="020B0606020202030204" pitchFamily="34" charset="0"/>
+              </a:rPr>
+              <a:t>YURLEIVY MOSQUERA RODRÍGUEZ </a:t>
+            </a:r>
+            <a:endParaRPr lang="es-CO" b="0" i="0" dirty="0">
+              <a:solidFill>
+                <a:schemeClr val="bg1"/>
+              </a:solidFill>
+              <a:effectLst/>
+              <a:latin typeface="Arial Narrow" panose="020B0606020202030204" pitchFamily="34" charset="0"/>
+            </a:endParaRPr>
+          </a:p>
+          <a:p>
+            <a:pPr algn="ctr" rtl="0" fontAlgn="base"/>
+            <a:r>
+              <a:rPr lang="es-CO" sz="1800" b="0" i="0" dirty="0">
+                <a:solidFill>
+                  <a:schemeClr val="bg1"/>
+                </a:solidFill>
+                <a:effectLst/>
+                <a:latin typeface="Arial Narrow" panose="020B0606020202030204" pitchFamily="34" charset="0"/>
+              </a:rPr>
+              <a:t>EDUAR SAMIR CHALÁ CUESTA </a:t>
+            </a:r>
+            <a:endParaRPr lang="es-CO" b="0" i="0" dirty="0">
+              <a:solidFill>
+                <a:schemeClr val="bg1"/>
+              </a:solidFill>
+              <a:effectLst/>
+              <a:latin typeface="Arial Narrow" panose="020B0606020202030204" pitchFamily="34" charset="0"/>
+            </a:endParaRPr>
+          </a:p>
+          <a:p>
+            <a:pPr algn="ctr" rtl="0" fontAlgn="base"/>
+            <a:r>
+              <a:rPr lang="es-CO" sz="1800" b="0" i="0" dirty="0">
+                <a:solidFill>
+                  <a:schemeClr val="bg1"/>
+                </a:solidFill>
+                <a:effectLst/>
+                <a:latin typeface="Arial Narrow" panose="020B0606020202030204" pitchFamily="34" charset="0"/>
+              </a:rPr>
+              <a:t>JHODYER ANDRÉS IBARGUEN OCHOA </a:t>
+            </a:r>
+            <a:endParaRPr lang="es-CO" b="0" i="0" dirty="0">
+              <a:solidFill>
+                <a:schemeClr val="bg1"/>
+              </a:solidFill>
+              <a:effectLst/>
+              <a:latin typeface="Arial Narrow" panose="020B0606020202030204" pitchFamily="34" charset="0"/>
+            </a:endParaRPr>
+          </a:p>
+          <a:p>
+            <a:pPr algn="ctr" rtl="0" fontAlgn="base"/>
+            <a:r>
+              <a:rPr lang="es-CO" sz="1800" b="0" i="0" dirty="0">
+                <a:solidFill>
+                  <a:schemeClr val="bg1"/>
+                </a:solidFill>
+                <a:effectLst/>
+                <a:latin typeface="Arial Narrow" panose="020B0606020202030204" pitchFamily="34" charset="0"/>
+              </a:rPr>
+              <a:t>JHERALDYN NICOL DEDIEGO MORENO </a:t>
+            </a:r>
+            <a:endParaRPr lang="es-CO" b="0" i="0" dirty="0">
+              <a:solidFill>
+                <a:schemeClr val="bg1"/>
+              </a:solidFill>
+              <a:effectLst/>
+              <a:latin typeface="Arial Narrow" panose="020B0606020202030204" pitchFamily="34" charset="0"/>
+            </a:endParaRPr>
+          </a:p>
+          <a:p>
+            <a:pPr algn="ctr" rtl="0" fontAlgn="base"/>
+            <a:r>
+              <a:rPr lang="es-CO" sz="1800" b="0" i="0" dirty="0">
+                <a:solidFill>
+                  <a:schemeClr val="bg1"/>
+                </a:solidFill>
+                <a:effectLst/>
+                <a:latin typeface="Arial Narrow" panose="020B0606020202030204" pitchFamily="34" charset="0"/>
+              </a:rPr>
+              <a:t>YENI KATERINE CÓRDOBA VALENCIA </a:t>
+            </a:r>
+            <a:r>
+              <a:rPr lang="es-CO" sz="1800" b="0" i="0" dirty="0">
+                <a:solidFill>
+                  <a:srgbClr val="000000"/>
+                </a:solidFill>
+                <a:effectLst/>
+                <a:latin typeface="Arial" panose="020B0604020202020204" pitchFamily="34" charset="0"/>
+              </a:rPr>
+              <a:t> </a:t>
+            </a:r>
+            <a:endParaRPr lang="es-CO" b="0" i="0" dirty="0">
+              <a:solidFill>
+                <a:srgbClr val="000000"/>
+              </a:solidFill>
+              <a:effectLst/>
+              <a:latin typeface="Segoe UI" panose="020B0502040204020203" pitchFamily="34" charset="0"/>
+            </a:endParaRPr>
+          </a:p>
           <a:p>
             <a:pPr algn="l"/>
             <a:endParaRPr lang="es-CO" dirty="0">
@@ -3467,10 +3736,660 @@
           </a:p>
         </p:txBody>
       </p:sp>
+      <p:pic>
+        <p:nvPicPr>
+          <p:cNvPr id="5" name="Imagen 4">
+            <a:extLst>
+              <a:ext uri="{FF2B5EF4-FFF2-40B4-BE49-F238E27FC236}">
+                <a16:creationId xmlns:a16="http://schemas.microsoft.com/office/drawing/2014/main" id="{D40277F6-BB00-AFF4-BA47-EE5592A348C0}"/>
+              </a:ext>
+            </a:extLst>
+          </p:cNvPr>
+          <p:cNvPicPr>
+            <a:picLocks noChangeAspect="1"/>
+          </p:cNvPicPr>
+          <p:nvPr/>
+        </p:nvPicPr>
+        <p:blipFill>
+          <a:blip r:embed="rId3">
+            <a:lum bright="70000" contrast="-70000"/>
+            <a:extLst>
+              <a:ext uri="{28A0092B-C50C-407E-A947-70E740481C1C}">
+                <a14:useLocalDpi xmlns:a14="http://schemas.microsoft.com/office/drawing/2010/main" val="0"/>
+              </a:ext>
+            </a:extLst>
+          </a:blip>
+          <a:stretch>
+            <a:fillRect/>
+          </a:stretch>
+        </p:blipFill>
+        <p:spPr>
+          <a:xfrm>
+            <a:off x="6321084" y="2266188"/>
+            <a:ext cx="3413760" cy="1162812"/>
+          </a:xfrm>
+          <a:prstGeom prst="rect">
+            <a:avLst/>
+          </a:prstGeom>
+        </p:spPr>
+      </p:pic>
     </p:spTree>
     <p:extLst>
       <p:ext uri="{BB962C8B-B14F-4D97-AF65-F5344CB8AC3E}">
         <p14:creationId xmlns:p14="http://schemas.microsoft.com/office/powerpoint/2010/main" val="1348224455"/>
+      </p:ext>
+    </p:extLst>
+  </p:cSld>
+  <p:clrMapOvr>
+    <a:masterClrMapping/>
+  </p:clrMapOvr>
+</p:sld>
+</file>
+
+<file path=ppt/slides/slide2.xml><?xml version="1.0" encoding="utf-8"?>
+<p:sld xmlns:a="http://schemas.openxmlformats.org/drawingml/2006/main" xmlns:r="http://schemas.openxmlformats.org/officeDocument/2006/relationships" xmlns:p="http://schemas.openxmlformats.org/presentationml/2006/main">
+  <p:cSld>
+    <p:bg>
+      <p:bgPr>
+        <a:blipFill dpi="0" rotWithShape="1">
+          <a:blip r:embed="rId2">
+            <a:lum/>
+          </a:blip>
+          <a:srcRect/>
+          <a:stretch>
+            <a:fillRect l="-13000" r="-13000"/>
+          </a:stretch>
+        </a:blipFill>
+        <a:effectLst/>
+      </p:bgPr>
+    </p:bg>
+    <p:spTree>
+      <p:nvGrpSpPr>
+        <p:cNvPr id="1" name=""/>
+        <p:cNvGrpSpPr/>
+        <p:nvPr/>
+      </p:nvGrpSpPr>
+      <p:grpSpPr>
+        <a:xfrm>
+          <a:off x="0" y="0"/>
+          <a:ext cx="0" cy="0"/>
+          <a:chOff x="0" y="0"/>
+          <a:chExt cx="0" cy="0"/>
+        </a:xfrm>
+      </p:grpSpPr>
+      <p:pic>
+        <p:nvPicPr>
+          <p:cNvPr id="6" name="Imagen 5">
+            <a:extLst>
+              <a:ext uri="{FF2B5EF4-FFF2-40B4-BE49-F238E27FC236}">
+                <a16:creationId xmlns:a16="http://schemas.microsoft.com/office/drawing/2014/main" id="{CDDF041B-B0D6-F872-6FCC-50CA8460849A}"/>
+              </a:ext>
+            </a:extLst>
+          </p:cNvPr>
+          <p:cNvPicPr>
+            <a:picLocks noChangeAspect="1"/>
+          </p:cNvPicPr>
+          <p:nvPr/>
+        </p:nvPicPr>
+        <p:blipFill>
+          <a:blip r:embed="rId3"/>
+          <a:stretch>
+            <a:fillRect/>
+          </a:stretch>
+        </p:blipFill>
+        <p:spPr>
+          <a:xfrm>
+            <a:off x="1420689" y="681037"/>
+            <a:ext cx="3414056" cy="1164437"/>
+          </a:xfrm>
+          <a:prstGeom prst="rect">
+            <a:avLst/>
+          </a:prstGeom>
+        </p:spPr>
+      </p:pic>
+      <p:sp>
+        <p:nvSpPr>
+          <p:cNvPr id="2" name="Título 1">
+            <a:extLst>
+              <a:ext uri="{FF2B5EF4-FFF2-40B4-BE49-F238E27FC236}">
+                <a16:creationId xmlns:a16="http://schemas.microsoft.com/office/drawing/2014/main" id="{561FF3BA-B4E1-7855-54CD-C54955F19355}"/>
+              </a:ext>
+            </a:extLst>
+          </p:cNvPr>
+          <p:cNvSpPr>
+            <a:spLocks noGrp="1"/>
+          </p:cNvSpPr>
+          <p:nvPr>
+            <p:ph type="title"/>
+          </p:nvPr>
+        </p:nvSpPr>
+        <p:spPr/>
+        <p:txBody>
+          <a:bodyPr/>
+          <a:lstStyle/>
+          <a:p>
+            <a:r>
+              <a:rPr lang="es-ES" dirty="0"/>
+              <a:t>					</a:t>
+            </a:r>
+            <a:endParaRPr lang="es-CO" dirty="0"/>
+          </a:p>
+        </p:txBody>
+      </p:sp>
+      <p:sp>
+        <p:nvSpPr>
+          <p:cNvPr id="3" name="Marcador de contenido 2">
+            <a:extLst>
+              <a:ext uri="{FF2B5EF4-FFF2-40B4-BE49-F238E27FC236}">
+                <a16:creationId xmlns:a16="http://schemas.microsoft.com/office/drawing/2014/main" id="{A0E3A1D3-4CEE-752B-C61B-8C9994062934}"/>
+              </a:ext>
+            </a:extLst>
+          </p:cNvPr>
+          <p:cNvSpPr>
+            <a:spLocks noGrp="1"/>
+          </p:cNvSpPr>
+          <p:nvPr>
+            <p:ph idx="1"/>
+          </p:nvPr>
+        </p:nvSpPr>
+        <p:spPr/>
+        <p:txBody>
+          <a:bodyPr/>
+          <a:lstStyle/>
+          <a:p>
+            <a:pPr marL="0" indent="0" algn="just" rtl="0" fontAlgn="base">
+              <a:buNone/>
+            </a:pPr>
+            <a:r>
+              <a:rPr lang="es-ES" sz="3200" dirty="0">
+                <a:solidFill>
+                  <a:schemeClr val="bg1"/>
+                </a:solidFill>
+                <a:latin typeface="Bahnschrift" panose="020B0502040204020203" pitchFamily="34" charset="0"/>
+              </a:rPr>
+              <a:t>E</a:t>
+            </a:r>
+            <a:r>
+              <a:rPr lang="es-ES" sz="3200" b="0" i="0" dirty="0">
+                <a:solidFill>
+                  <a:schemeClr val="bg1"/>
+                </a:solidFill>
+                <a:effectLst/>
+                <a:latin typeface="Bahnschrift" panose="020B0502040204020203" pitchFamily="34" charset="0"/>
+              </a:rPr>
+              <a:t>s una plataforma de aprendizaje mixto basado en el juego, permitiendo a los educadores y estudiantes investigar, crear, colaborar y compartir conocimientos. </a:t>
+            </a:r>
+            <a:endParaRPr lang="es-ES" sz="4400" dirty="0">
+              <a:solidFill>
+                <a:schemeClr val="bg1"/>
+              </a:solidFill>
+              <a:latin typeface="Bahnschrift" panose="020B0502040204020203" pitchFamily="34" charset="0"/>
+            </a:endParaRPr>
+          </a:p>
+          <a:p>
+            <a:pPr marL="0" indent="0" algn="just" rtl="0" fontAlgn="base">
+              <a:buNone/>
+            </a:pPr>
+            <a:r>
+              <a:rPr lang="es-ES" sz="3200" b="0" i="0" dirty="0">
+                <a:solidFill>
+                  <a:schemeClr val="bg1"/>
+                </a:solidFill>
+                <a:effectLst/>
+                <a:latin typeface="Bahnschrift" panose="020B0502040204020203" pitchFamily="34" charset="0"/>
+              </a:rPr>
+              <a:t>Para la elaboración del proyecto se tuvo en cuenta los módulos finalizados anteriormente durante el proceso de formación (HTML, CSS y JAVASCRIPT). </a:t>
+            </a:r>
+            <a:r>
+              <a:rPr lang="es-ES" sz="1800" b="0" i="0" dirty="0">
+                <a:solidFill>
+                  <a:srgbClr val="000000"/>
+                </a:solidFill>
+                <a:effectLst/>
+                <a:latin typeface="Arial" panose="020B0604020202020204" pitchFamily="34" charset="0"/>
+              </a:rPr>
+              <a:t> </a:t>
+            </a:r>
+            <a:endParaRPr lang="es-ES" b="0" i="0" dirty="0">
+              <a:solidFill>
+                <a:srgbClr val="000000"/>
+              </a:solidFill>
+              <a:effectLst/>
+              <a:latin typeface="Segoe UI" panose="020B0502040204020203" pitchFamily="34" charset="0"/>
+            </a:endParaRPr>
+          </a:p>
+          <a:p>
+            <a:endParaRPr lang="es-CO" dirty="0"/>
+          </a:p>
+        </p:txBody>
+      </p:sp>
+    </p:spTree>
+    <p:extLst>
+      <p:ext uri="{BB962C8B-B14F-4D97-AF65-F5344CB8AC3E}">
+        <p14:creationId xmlns:p14="http://schemas.microsoft.com/office/powerpoint/2010/main" val="4145735452"/>
+      </p:ext>
+    </p:extLst>
+  </p:cSld>
+  <p:clrMapOvr>
+    <a:masterClrMapping/>
+  </p:clrMapOvr>
+</p:sld>
+</file>
+
+<file path=ppt/slides/slide3.xml><?xml version="1.0" encoding="utf-8"?>
+<p:sld xmlns:a="http://schemas.openxmlformats.org/drawingml/2006/main" xmlns:r="http://schemas.openxmlformats.org/officeDocument/2006/relationships" xmlns:p="http://schemas.openxmlformats.org/presentationml/2006/main">
+  <p:cSld>
+    <p:spTree>
+      <p:nvGrpSpPr>
+        <p:cNvPr id="1" name=""/>
+        <p:cNvGrpSpPr/>
+        <p:nvPr/>
+      </p:nvGrpSpPr>
+      <p:grpSpPr>
+        <a:xfrm>
+          <a:off x="0" y="0"/>
+          <a:ext cx="0" cy="0"/>
+          <a:chOff x="0" y="0"/>
+          <a:chExt cx="0" cy="0"/>
+        </a:xfrm>
+      </p:grpSpPr>
+      <p:sp>
+        <p:nvSpPr>
+          <p:cNvPr id="2" name="Título 1">
+            <a:extLst>
+              <a:ext uri="{FF2B5EF4-FFF2-40B4-BE49-F238E27FC236}">
+                <a16:creationId xmlns:a16="http://schemas.microsoft.com/office/drawing/2014/main" id="{F952E4E8-310C-478C-283E-6C6DCC9A8EB7}"/>
+              </a:ext>
+            </a:extLst>
+          </p:cNvPr>
+          <p:cNvSpPr>
+            <a:spLocks noGrp="1"/>
+          </p:cNvSpPr>
+          <p:nvPr>
+            <p:ph type="title"/>
+          </p:nvPr>
+        </p:nvSpPr>
+        <p:spPr/>
+        <p:txBody>
+          <a:bodyPr>
+            <a:normAutofit/>
+          </a:bodyPr>
+          <a:lstStyle/>
+          <a:p>
+            <a:pPr algn="just"/>
+            <a:r>
+              <a:rPr lang="es-ES" sz="3600" dirty="0">
+                <a:solidFill>
+                  <a:srgbClr val="7030A0"/>
+                </a:solidFill>
+                <a:latin typeface="Arial Rounded MT Bold" panose="020F0704030504030204" pitchFamily="34" charset="0"/>
+              </a:rPr>
+              <a:t>IDENTIFICACIÓN DE ELEMENTOS A CLONAR</a:t>
+            </a:r>
+            <a:endParaRPr lang="es-CO" sz="3600" dirty="0">
+              <a:solidFill>
+                <a:srgbClr val="7030A0"/>
+              </a:solidFill>
+              <a:latin typeface="Arial Rounded MT Bold" panose="020F0704030504030204" pitchFamily="34" charset="0"/>
+            </a:endParaRPr>
+          </a:p>
+        </p:txBody>
+      </p:sp>
+      <p:pic>
+        <p:nvPicPr>
+          <p:cNvPr id="1028" name="Picture 4">
+            <a:extLst>
+              <a:ext uri="{FF2B5EF4-FFF2-40B4-BE49-F238E27FC236}">
+                <a16:creationId xmlns:a16="http://schemas.microsoft.com/office/drawing/2014/main" id="{274D62B3-7127-7184-D21F-30194C87644F}"/>
+              </a:ext>
+            </a:extLst>
+          </p:cNvPr>
+          <p:cNvPicPr>
+            <a:picLocks noChangeAspect="1" noChangeArrowheads="1"/>
+          </p:cNvPicPr>
+          <p:nvPr/>
+        </p:nvPicPr>
+        <p:blipFill>
+          <a:blip r:embed="rId2">
+            <a:extLst>
+              <a:ext uri="{28A0092B-C50C-407E-A947-70E740481C1C}">
+                <a14:useLocalDpi xmlns:a14="http://schemas.microsoft.com/office/drawing/2010/main" val="0"/>
+              </a:ext>
+            </a:extLst>
+          </a:blip>
+          <a:srcRect/>
+          <a:stretch>
+            <a:fillRect/>
+          </a:stretch>
+        </p:blipFill>
+        <p:spPr bwMode="auto">
+          <a:xfrm>
+            <a:off x="956604" y="1690688"/>
+            <a:ext cx="4312094" cy="1948303"/>
+          </a:xfrm>
+          <a:prstGeom prst="rect">
+            <a:avLst/>
+          </a:prstGeom>
+          <a:noFill/>
+          <a:extLst>
+            <a:ext uri="{909E8E84-426E-40DD-AFC4-6F175D3DCCD1}">
+              <a14:hiddenFill xmlns:a14="http://schemas.microsoft.com/office/drawing/2010/main">
+                <a:solidFill>
+                  <a:srgbClr val="FFFFFF"/>
+                </a:solidFill>
+              </a14:hiddenFill>
+            </a:ext>
+          </a:extLst>
+        </p:spPr>
+      </p:pic>
+      <p:pic>
+        <p:nvPicPr>
+          <p:cNvPr id="1030" name="Picture 6">
+            <a:extLst>
+              <a:ext uri="{FF2B5EF4-FFF2-40B4-BE49-F238E27FC236}">
+                <a16:creationId xmlns:a16="http://schemas.microsoft.com/office/drawing/2014/main" id="{AB413885-42B9-FD9B-9D93-13E53DD745B3}"/>
+              </a:ext>
+            </a:extLst>
+          </p:cNvPr>
+          <p:cNvPicPr>
+            <a:picLocks noChangeAspect="1" noChangeArrowheads="1"/>
+          </p:cNvPicPr>
+          <p:nvPr/>
+        </p:nvPicPr>
+        <p:blipFill>
+          <a:blip r:embed="rId3">
+            <a:extLst>
+              <a:ext uri="{28A0092B-C50C-407E-A947-70E740481C1C}">
+                <a14:useLocalDpi xmlns:a14="http://schemas.microsoft.com/office/drawing/2010/main" val="0"/>
+              </a:ext>
+            </a:extLst>
+          </a:blip>
+          <a:srcRect/>
+          <a:stretch>
+            <a:fillRect/>
+          </a:stretch>
+        </p:blipFill>
+        <p:spPr bwMode="auto">
+          <a:xfrm>
+            <a:off x="6302325" y="2260434"/>
+            <a:ext cx="4312095" cy="1953918"/>
+          </a:xfrm>
+          <a:prstGeom prst="rect">
+            <a:avLst/>
+          </a:prstGeom>
+          <a:noFill/>
+          <a:extLst>
+            <a:ext uri="{909E8E84-426E-40DD-AFC4-6F175D3DCCD1}">
+              <a14:hiddenFill xmlns:a14="http://schemas.microsoft.com/office/drawing/2010/main">
+                <a:solidFill>
+                  <a:srgbClr val="FFFFFF"/>
+                </a:solidFill>
+              </a14:hiddenFill>
+            </a:ext>
+          </a:extLst>
+        </p:spPr>
+      </p:pic>
+      <p:pic>
+        <p:nvPicPr>
+          <p:cNvPr id="1032" name="Picture 8">
+            <a:extLst>
+              <a:ext uri="{FF2B5EF4-FFF2-40B4-BE49-F238E27FC236}">
+                <a16:creationId xmlns:a16="http://schemas.microsoft.com/office/drawing/2014/main" id="{81E5505C-A57E-1D10-4028-274CBA39A752}"/>
+              </a:ext>
+            </a:extLst>
+          </p:cNvPr>
+          <p:cNvPicPr>
+            <a:picLocks noChangeAspect="1" noChangeArrowheads="1"/>
+          </p:cNvPicPr>
+          <p:nvPr/>
+        </p:nvPicPr>
+        <p:blipFill>
+          <a:blip r:embed="rId4">
+            <a:extLst>
+              <a:ext uri="{28A0092B-C50C-407E-A947-70E740481C1C}">
+                <a14:useLocalDpi xmlns:a14="http://schemas.microsoft.com/office/drawing/2010/main" val="0"/>
+              </a:ext>
+            </a:extLst>
+          </a:blip>
+          <a:srcRect/>
+          <a:stretch>
+            <a:fillRect/>
+          </a:stretch>
+        </p:blipFill>
+        <p:spPr bwMode="auto">
+          <a:xfrm>
+            <a:off x="2638864" y="4660208"/>
+            <a:ext cx="4312094" cy="1953918"/>
+          </a:xfrm>
+          <a:prstGeom prst="rect">
+            <a:avLst/>
+          </a:prstGeom>
+          <a:noFill/>
+          <a:extLst>
+            <a:ext uri="{909E8E84-426E-40DD-AFC4-6F175D3DCCD1}">
+              <a14:hiddenFill xmlns:a14="http://schemas.microsoft.com/office/drawing/2010/main">
+                <a:solidFill>
+                  <a:srgbClr val="FFFFFF"/>
+                </a:solidFill>
+              </a14:hiddenFill>
+            </a:ext>
+          </a:extLst>
+        </p:spPr>
+      </p:pic>
+      <p:sp>
+        <p:nvSpPr>
+          <p:cNvPr id="6" name="CuadroTexto 5">
+            <a:extLst>
+              <a:ext uri="{FF2B5EF4-FFF2-40B4-BE49-F238E27FC236}">
+                <a16:creationId xmlns:a16="http://schemas.microsoft.com/office/drawing/2014/main" id="{AEF705A7-0149-0CC4-0BE6-92703FF0545C}"/>
+              </a:ext>
+            </a:extLst>
+          </p:cNvPr>
+          <p:cNvSpPr txBox="1"/>
+          <p:nvPr/>
+        </p:nvSpPr>
+        <p:spPr>
+          <a:xfrm>
+            <a:off x="838200" y="3688864"/>
+            <a:ext cx="4417254" cy="400110"/>
+          </a:xfrm>
+          <a:prstGeom prst="rect">
+            <a:avLst/>
+          </a:prstGeom>
+          <a:noFill/>
+        </p:spPr>
+        <p:txBody>
+          <a:bodyPr wrap="square" rtlCol="0">
+            <a:spAutoFit/>
+          </a:bodyPr>
+          <a:lstStyle/>
+          <a:p>
+            <a:r>
+              <a:rPr lang="es-ES" sz="2000" dirty="0">
+                <a:solidFill>
+                  <a:srgbClr val="7030A0"/>
+                </a:solidFill>
+                <a:latin typeface="Bahnschrift" panose="020B0502040204020203" pitchFamily="34" charset="0"/>
+              </a:rPr>
+              <a:t>1. Pagina principal de ingreso de PIN.</a:t>
+            </a:r>
+            <a:endParaRPr lang="es-CO" sz="2000" dirty="0">
+              <a:solidFill>
+                <a:srgbClr val="7030A0"/>
+              </a:solidFill>
+              <a:latin typeface="Bahnschrift" panose="020B0502040204020203" pitchFamily="34" charset="0"/>
+            </a:endParaRPr>
+          </a:p>
+        </p:txBody>
+      </p:sp>
+      <p:sp>
+        <p:nvSpPr>
+          <p:cNvPr id="9" name="CuadroTexto 8">
+            <a:extLst>
+              <a:ext uri="{FF2B5EF4-FFF2-40B4-BE49-F238E27FC236}">
+                <a16:creationId xmlns:a16="http://schemas.microsoft.com/office/drawing/2014/main" id="{1593180C-7650-0907-AE33-5F123A083C4E}"/>
+              </a:ext>
+            </a:extLst>
+          </p:cNvPr>
+          <p:cNvSpPr txBox="1"/>
+          <p:nvPr/>
+        </p:nvSpPr>
+        <p:spPr>
+          <a:xfrm>
+            <a:off x="6302325" y="1465389"/>
+            <a:ext cx="5051475" cy="707886"/>
+          </a:xfrm>
+          <a:prstGeom prst="rect">
+            <a:avLst/>
+          </a:prstGeom>
+          <a:noFill/>
+        </p:spPr>
+        <p:txBody>
+          <a:bodyPr wrap="square">
+            <a:spAutoFit/>
+          </a:bodyPr>
+          <a:lstStyle/>
+          <a:p>
+            <a:r>
+              <a:rPr lang="es-ES" sz="2000" dirty="0">
+                <a:solidFill>
+                  <a:srgbClr val="7030A0"/>
+                </a:solidFill>
+                <a:latin typeface="Bahnschrift" panose="020B0502040204020203" pitchFamily="34" charset="0"/>
+              </a:rPr>
+              <a:t>2. Pagina preguntas tipo FALSO o VERDADERO</a:t>
+            </a:r>
+            <a:endParaRPr lang="es-CO" sz="2000" dirty="0">
+              <a:solidFill>
+                <a:srgbClr val="7030A0"/>
+              </a:solidFill>
+              <a:latin typeface="Bahnschrift" panose="020B0502040204020203" pitchFamily="34" charset="0"/>
+            </a:endParaRPr>
+          </a:p>
+        </p:txBody>
+      </p:sp>
+      <p:sp>
+        <p:nvSpPr>
+          <p:cNvPr id="11" name="CuadroTexto 10">
+            <a:extLst>
+              <a:ext uri="{FF2B5EF4-FFF2-40B4-BE49-F238E27FC236}">
+                <a16:creationId xmlns:a16="http://schemas.microsoft.com/office/drawing/2014/main" id="{BA6228E8-D176-3BDC-5F41-96FF1C35005D}"/>
+              </a:ext>
+            </a:extLst>
+          </p:cNvPr>
+          <p:cNvSpPr txBox="1"/>
+          <p:nvPr/>
+        </p:nvSpPr>
+        <p:spPr>
+          <a:xfrm>
+            <a:off x="7214554" y="5192556"/>
+            <a:ext cx="4677163" cy="707886"/>
+          </a:xfrm>
+          <a:prstGeom prst="rect">
+            <a:avLst/>
+          </a:prstGeom>
+          <a:noFill/>
+        </p:spPr>
+        <p:txBody>
+          <a:bodyPr wrap="square">
+            <a:spAutoFit/>
+          </a:bodyPr>
+          <a:lstStyle/>
+          <a:p>
+            <a:pPr marL="0" marR="0" lvl="0" indent="0" algn="l" defTabSz="914400" rtl="0" eaLnBrk="1" fontAlgn="auto" latinLnBrk="0" hangingPunct="1">
+              <a:lnSpc>
+                <a:spcPct val="100000"/>
+              </a:lnSpc>
+              <a:spcBef>
+                <a:spcPts val="0"/>
+              </a:spcBef>
+              <a:spcAft>
+                <a:spcPts val="0"/>
+              </a:spcAft>
+              <a:buClrTx/>
+              <a:buSzTx/>
+              <a:buFontTx/>
+              <a:buNone/>
+              <a:tabLst/>
+              <a:defRPr/>
+            </a:pPr>
+            <a:r>
+              <a:rPr lang="es-ES" sz="2000" dirty="0">
+                <a:solidFill>
+                  <a:srgbClr val="7030A0"/>
+                </a:solidFill>
+                <a:latin typeface="Bahnschrift" panose="020B0502040204020203" pitchFamily="34" charset="0"/>
+              </a:rPr>
+              <a:t>3</a:t>
+            </a:r>
+            <a:r>
+              <a:rPr kumimoji="0" lang="es-ES" sz="2000" b="0" i="0" u="none" strike="noStrike" kern="1200" cap="none" spc="0" normalizeH="0" baseline="0" noProof="0" dirty="0">
+                <a:ln>
+                  <a:noFill/>
+                </a:ln>
+                <a:solidFill>
+                  <a:srgbClr val="7030A0"/>
+                </a:solidFill>
+                <a:effectLst/>
+                <a:uLnTx/>
+                <a:uFillTx/>
+                <a:latin typeface="Bahnschrift" panose="020B0502040204020203" pitchFamily="34" charset="0"/>
+                <a:ea typeface="+mn-ea"/>
+                <a:cs typeface="+mn-cs"/>
+              </a:rPr>
+              <a:t>. Pagina preguntas con 4 OPCIONES DE RESPUESTA</a:t>
+            </a:r>
+            <a:endParaRPr kumimoji="0" lang="es-CO" sz="2000" b="0" i="0" u="none" strike="noStrike" kern="1200" cap="none" spc="0" normalizeH="0" baseline="0" noProof="0" dirty="0">
+              <a:ln>
+                <a:noFill/>
+              </a:ln>
+              <a:solidFill>
+                <a:srgbClr val="7030A0"/>
+              </a:solidFill>
+              <a:effectLst/>
+              <a:uLnTx/>
+              <a:uFillTx/>
+              <a:latin typeface="Bahnschrift" panose="020B0502040204020203" pitchFamily="34" charset="0"/>
+              <a:ea typeface="+mn-ea"/>
+              <a:cs typeface="+mn-cs"/>
+            </a:endParaRPr>
+          </a:p>
+        </p:txBody>
+      </p:sp>
+    </p:spTree>
+    <p:extLst>
+      <p:ext uri="{BB962C8B-B14F-4D97-AF65-F5344CB8AC3E}">
+        <p14:creationId xmlns:p14="http://schemas.microsoft.com/office/powerpoint/2010/main" val="406387641"/>
+      </p:ext>
+    </p:extLst>
+  </p:cSld>
+  <p:clrMapOvr>
+    <a:masterClrMapping/>
+  </p:clrMapOvr>
+</p:sld>
+</file>
+
+<file path=ppt/slides/slide4.xml><?xml version="1.0" encoding="utf-8"?>
+<p:sld xmlns:a="http://schemas.openxmlformats.org/drawingml/2006/main" xmlns:r="http://schemas.openxmlformats.org/officeDocument/2006/relationships" xmlns:p="http://schemas.openxmlformats.org/presentationml/2006/main">
+  <p:cSld>
+    <p:spTree>
+      <p:nvGrpSpPr>
+        <p:cNvPr id="1" name=""/>
+        <p:cNvGrpSpPr/>
+        <p:nvPr/>
+      </p:nvGrpSpPr>
+      <p:grpSpPr>
+        <a:xfrm>
+          <a:off x="0" y="0"/>
+          <a:ext cx="0" cy="0"/>
+          <a:chOff x="0" y="0"/>
+          <a:chExt cx="0" cy="0"/>
+        </a:xfrm>
+      </p:grpSpPr>
+    </p:spTree>
+    <p:extLst>
+      <p:ext uri="{BB962C8B-B14F-4D97-AF65-F5344CB8AC3E}">
+        <p14:creationId xmlns:p14="http://schemas.microsoft.com/office/powerpoint/2010/main" val="4067705731"/>
       </p:ext>
     </p:extLst>
   </p:cSld>

--- a/Kahoot_Files_Beta_ADL/Presentacion CLON KAHOOT.pptx
+++ b/Kahoot_Files_Beta_ADL/Presentacion CLON KAHOOT.pptx
@@ -8,7 +8,9 @@
     <p:sldId id="256" r:id="rId2"/>
     <p:sldId id="257" r:id="rId3"/>
     <p:sldId id="258" r:id="rId4"/>
-    <p:sldId id="259" r:id="rId5"/>
+    <p:sldId id="260" r:id="rId5"/>
+    <p:sldId id="261" r:id="rId6"/>
+    <p:sldId id="262" r:id="rId7"/>
   </p:sldIdLst>
   <p:sldSz cx="12192000" cy="6858000"/>
   <p:notesSz cx="6858000" cy="9144000"/>
@@ -118,183 +120,152 @@
 <file path=ppt/changesInfos/changesInfo1.xml><?xml version="1.0" encoding="utf-8"?>
 <pc:chgInfo xmlns:a="http://schemas.openxmlformats.org/drawingml/2006/main" xmlns:r="http://schemas.openxmlformats.org/officeDocument/2006/relationships" xmlns:ac="http://schemas.microsoft.com/office/drawing/2013/main/command" xmlns:pc="http://schemas.microsoft.com/office/powerpoint/2013/main/command">
   <pc:docChgLst>
-    <pc:chgData name="YENI KATERINE CORDOBA VALENCIA" userId="a991a73ee19c1728" providerId="LiveId" clId="{34673879-890C-4951-81B8-33868B2EF45E}"/>
-    <pc:docChg chg="undo custSel addSld modSld">
-      <pc:chgData name="YENI KATERINE CORDOBA VALENCIA" userId="a991a73ee19c1728" providerId="LiveId" clId="{34673879-890C-4951-81B8-33868B2EF45E}" dt="2023-11-30T13:58:48.104" v="672" actId="680"/>
+    <pc:chgData name="YENI KATERINE CORDOBA VALENCIA" userId="a991a73ee19c1728" providerId="LiveId" clId="{CB6F53C4-B68A-41B9-8C86-DC2473D487D5}"/>
+    <pc:docChg chg="custSel addSld modSld">
+      <pc:chgData name="YENI KATERINE CORDOBA VALENCIA" userId="a991a73ee19c1728" providerId="LiveId" clId="{CB6F53C4-B68A-41B9-8C86-DC2473D487D5}" dt="2023-11-30T15:43:18.711" v="532" actId="1076"/>
       <pc:docMkLst>
         <pc:docMk/>
       </pc:docMkLst>
-      <pc:sldChg chg="addSp modSp mod setBg">
-        <pc:chgData name="YENI KATERINE CORDOBA VALENCIA" userId="a991a73ee19c1728" providerId="LiveId" clId="{34673879-890C-4951-81B8-33868B2EF45E}" dt="2023-11-30T13:25:14.696" v="116" actId="1076"/>
-        <pc:sldMkLst>
-          <pc:docMk/>
-          <pc:sldMk cId="1348224455" sldId="256"/>
-        </pc:sldMkLst>
-        <pc:spChg chg="mod">
-          <ac:chgData name="YENI KATERINE CORDOBA VALENCIA" userId="a991a73ee19c1728" providerId="LiveId" clId="{34673879-890C-4951-81B8-33868B2EF45E}" dt="2023-11-30T13:25:04.298" v="115" actId="20577"/>
-          <ac:spMkLst>
-            <pc:docMk/>
-            <pc:sldMk cId="1348224455" sldId="256"/>
-            <ac:spMk id="2" creationId="{13B21AF0-E756-94D7-C896-8AFD5B10B2B6}"/>
-          </ac:spMkLst>
-        </pc:spChg>
-        <pc:spChg chg="mod">
-          <ac:chgData name="YENI KATERINE CORDOBA VALENCIA" userId="a991a73ee19c1728" providerId="LiveId" clId="{34673879-890C-4951-81B8-33868B2EF45E}" dt="2023-11-30T13:17:21.320" v="44" actId="2711"/>
-          <ac:spMkLst>
-            <pc:docMk/>
-            <pc:sldMk cId="1348224455" sldId="256"/>
-            <ac:spMk id="3" creationId="{793815F3-2819-4E8B-EC63-39F42E0AAB6F}"/>
-          </ac:spMkLst>
-        </pc:spChg>
-        <pc:picChg chg="add mod">
-          <ac:chgData name="YENI KATERINE CORDOBA VALENCIA" userId="a991a73ee19c1728" providerId="LiveId" clId="{34673879-890C-4951-81B8-33868B2EF45E}" dt="2023-11-30T13:25:14.696" v="116" actId="1076"/>
-          <ac:picMkLst>
-            <pc:docMk/>
-            <pc:sldMk cId="1348224455" sldId="256"/>
-            <ac:picMk id="5" creationId="{D40277F6-BB00-AFF4-BA47-EE5592A348C0}"/>
-          </ac:picMkLst>
-        </pc:picChg>
-      </pc:sldChg>
-      <pc:sldChg chg="addSp delSp modSp new mod setBg">
-        <pc:chgData name="YENI KATERINE CORDOBA VALENCIA" userId="a991a73ee19c1728" providerId="LiveId" clId="{34673879-890C-4951-81B8-33868B2EF45E}" dt="2023-11-30T13:28:54.837" v="167" actId="20577"/>
-        <pc:sldMkLst>
-          <pc:docMk/>
-          <pc:sldMk cId="4145735452" sldId="257"/>
-        </pc:sldMkLst>
-        <pc:spChg chg="mod">
-          <ac:chgData name="YENI KATERINE CORDOBA VALENCIA" userId="a991a73ee19c1728" providerId="LiveId" clId="{34673879-890C-4951-81B8-33868B2EF45E}" dt="2023-11-30T13:28:54.837" v="167" actId="20577"/>
-          <ac:spMkLst>
-            <pc:docMk/>
-            <pc:sldMk cId="4145735452" sldId="257"/>
-            <ac:spMk id="2" creationId="{561FF3BA-B4E1-7855-54CD-C54955F19355}"/>
-          </ac:spMkLst>
-        </pc:spChg>
-        <pc:spChg chg="mod">
-          <ac:chgData name="YENI KATERINE CORDOBA VALENCIA" userId="a991a73ee19c1728" providerId="LiveId" clId="{34673879-890C-4951-81B8-33868B2EF45E}" dt="2023-11-30T13:28:18.839" v="160" actId="403"/>
-          <ac:spMkLst>
-            <pc:docMk/>
-            <pc:sldMk cId="4145735452" sldId="257"/>
-            <ac:spMk id="3" creationId="{A0E3A1D3-4CEE-752B-C61B-8C9994062934}"/>
-          </ac:spMkLst>
-        </pc:spChg>
-        <pc:graphicFrameChg chg="add del modGraphic">
-          <ac:chgData name="YENI KATERINE CORDOBA VALENCIA" userId="a991a73ee19c1728" providerId="LiveId" clId="{34673879-890C-4951-81B8-33868B2EF45E}" dt="2023-11-30T13:25:53.939" v="118" actId="478"/>
-          <ac:graphicFrameMkLst>
-            <pc:docMk/>
-            <pc:sldMk cId="4145735452" sldId="257"/>
-            <ac:graphicFrameMk id="5" creationId="{1A71C3C3-5AB1-0A56-CA2C-D02EAD6BB9C0}"/>
-          </ac:graphicFrameMkLst>
-        </pc:graphicFrameChg>
-        <pc:picChg chg="add mod">
-          <ac:chgData name="YENI KATERINE CORDOBA VALENCIA" userId="a991a73ee19c1728" providerId="LiveId" clId="{34673879-890C-4951-81B8-33868B2EF45E}" dt="2023-11-30T13:28:46.627" v="162" actId="1076"/>
-          <ac:picMkLst>
-            <pc:docMk/>
-            <pc:sldMk cId="4145735452" sldId="257"/>
-            <ac:picMk id="6" creationId="{CDDF041B-B0D6-F872-6FCC-50CA8460849A}"/>
-          </ac:picMkLst>
-        </pc:picChg>
-      </pc:sldChg>
-      <pc:sldChg chg="addSp delSp modSp new mod">
-        <pc:chgData name="YENI KATERINE CORDOBA VALENCIA" userId="a991a73ee19c1728" providerId="LiveId" clId="{34673879-890C-4951-81B8-33868B2EF45E}" dt="2023-11-30T13:58:04.950" v="671" actId="20577"/>
+      <pc:sldChg chg="modSp mod">
+        <pc:chgData name="YENI KATERINE CORDOBA VALENCIA" userId="a991a73ee19c1728" providerId="LiveId" clId="{CB6F53C4-B68A-41B9-8C86-DC2473D487D5}" dt="2023-11-30T15:41:51.268" v="529" actId="20577"/>
         <pc:sldMkLst>
           <pc:docMk/>
           <pc:sldMk cId="406387641" sldId="258"/>
         </pc:sldMkLst>
         <pc:spChg chg="mod">
-          <ac:chgData name="YENI KATERINE CORDOBA VALENCIA" userId="a991a73ee19c1728" providerId="LiveId" clId="{34673879-890C-4951-81B8-33868B2EF45E}" dt="2023-11-30T13:35:54.733" v="219" actId="207"/>
-          <ac:spMkLst>
-            <pc:docMk/>
-            <pc:sldMk cId="406387641" sldId="258"/>
-            <ac:spMk id="2" creationId="{F952E4E8-310C-478C-283E-6C6DCC9A8EB7}"/>
-          </ac:spMkLst>
-        </pc:spChg>
-        <pc:spChg chg="del mod">
-          <ac:chgData name="YENI KATERINE CORDOBA VALENCIA" userId="a991a73ee19c1728" providerId="LiveId" clId="{34673879-890C-4951-81B8-33868B2EF45E}" dt="2023-11-30T13:44:21.164" v="322" actId="478"/>
-          <ac:spMkLst>
-            <pc:docMk/>
-            <pc:sldMk cId="406387641" sldId="258"/>
-            <ac:spMk id="3" creationId="{EB695567-F127-C891-B144-BD3E2D6A2E4D}"/>
-          </ac:spMkLst>
-        </pc:spChg>
-        <pc:spChg chg="add del mod">
-          <ac:chgData name="YENI KATERINE CORDOBA VALENCIA" userId="a991a73ee19c1728" providerId="LiveId" clId="{34673879-890C-4951-81B8-33868B2EF45E}" dt="2023-11-30T13:44:29.236" v="324" actId="478"/>
-          <ac:spMkLst>
-            <pc:docMk/>
-            <pc:sldMk cId="406387641" sldId="258"/>
-            <ac:spMk id="5" creationId="{6602ABC4-B028-73D5-4A62-06A15F0EB001}"/>
-          </ac:spMkLst>
-        </pc:spChg>
-        <pc:spChg chg="add mod">
-          <ac:chgData name="YENI KATERINE CORDOBA VALENCIA" userId="a991a73ee19c1728" providerId="LiveId" clId="{34673879-890C-4951-81B8-33868B2EF45E}" dt="2023-11-30T13:50:06.254" v="412" actId="1076"/>
-          <ac:spMkLst>
-            <pc:docMk/>
-            <pc:sldMk cId="406387641" sldId="258"/>
-            <ac:spMk id="6" creationId="{AEF705A7-0149-0CC4-0BE6-92703FF0545C}"/>
-          </ac:spMkLst>
-        </pc:spChg>
-        <pc:spChg chg="add mod">
-          <ac:chgData name="YENI KATERINE CORDOBA VALENCIA" userId="a991a73ee19c1728" providerId="LiveId" clId="{34673879-890C-4951-81B8-33868B2EF45E}" dt="2023-11-30T13:56:16.731" v="533"/>
+          <ac:chgData name="YENI KATERINE CORDOBA VALENCIA" userId="a991a73ee19c1728" providerId="LiveId" clId="{CB6F53C4-B68A-41B9-8C86-DC2473D487D5}" dt="2023-11-30T15:41:51.268" v="529" actId="20577"/>
           <ac:spMkLst>
             <pc:docMk/>
             <pc:sldMk cId="406387641" sldId="258"/>
             <ac:spMk id="9" creationId="{1593180C-7650-0907-AE33-5F123A083C4E}"/>
           </ac:spMkLst>
         </pc:spChg>
-        <pc:spChg chg="add mod">
-          <ac:chgData name="YENI KATERINE CORDOBA VALENCIA" userId="a991a73ee19c1728" providerId="LiveId" clId="{34673879-890C-4951-81B8-33868B2EF45E}" dt="2023-11-30T13:58:04.950" v="671" actId="20577"/>
+      </pc:sldChg>
+      <pc:sldChg chg="addSp delSp modSp mod">
+        <pc:chgData name="YENI KATERINE CORDOBA VALENCIA" userId="a991a73ee19c1728" providerId="LiveId" clId="{CB6F53C4-B68A-41B9-8C86-DC2473D487D5}" dt="2023-11-30T15:39:26.518" v="462" actId="1076"/>
+        <pc:sldMkLst>
+          <pc:docMk/>
+          <pc:sldMk cId="3379617701" sldId="261"/>
+        </pc:sldMkLst>
+        <pc:spChg chg="mod">
+          <ac:chgData name="YENI KATERINE CORDOBA VALENCIA" userId="a991a73ee19c1728" providerId="LiveId" clId="{CB6F53C4-B68A-41B9-8C86-DC2473D487D5}" dt="2023-11-30T14:55:01.413" v="3" actId="404"/>
           <ac:spMkLst>
             <pc:docMk/>
-            <pc:sldMk cId="406387641" sldId="258"/>
-            <ac:spMk id="11" creationId="{BA6228E8-D176-3BDC-5F41-96FF1C35005D}"/>
+            <pc:sldMk cId="3379617701" sldId="261"/>
+            <ac:spMk id="2" creationId="{93F7788B-6584-F02B-D81E-C71A97638AE1}"/>
           </ac:spMkLst>
         </pc:spChg>
-        <pc:picChg chg="add del mod">
-          <ac:chgData name="YENI KATERINE CORDOBA VALENCIA" userId="a991a73ee19c1728" providerId="LiveId" clId="{34673879-890C-4951-81B8-33868B2EF45E}" dt="2023-11-30T13:52:52.081" v="434" actId="478"/>
+        <pc:spChg chg="add del mod">
+          <ac:chgData name="YENI KATERINE CORDOBA VALENCIA" userId="a991a73ee19c1728" providerId="LiveId" clId="{CB6F53C4-B68A-41B9-8C86-DC2473D487D5}" dt="2023-11-30T15:17:21.727" v="14"/>
+          <ac:spMkLst>
+            <pc:docMk/>
+            <pc:sldMk cId="3379617701" sldId="261"/>
+            <ac:spMk id="4" creationId="{F66FF1F5-7A05-BE54-14EF-F02E62542AAF}"/>
+          </ac:spMkLst>
+        </pc:spChg>
+        <pc:spChg chg="add mod">
+          <ac:chgData name="YENI KATERINE CORDOBA VALENCIA" userId="a991a73ee19c1728" providerId="LiveId" clId="{CB6F53C4-B68A-41B9-8C86-DC2473D487D5}" dt="2023-11-30T15:29:19.695" v="389" actId="255"/>
+          <ac:spMkLst>
+            <pc:docMk/>
+            <pc:sldMk cId="3379617701" sldId="261"/>
+            <ac:spMk id="5" creationId="{DA06DC0F-8FB2-8997-DF63-4CE2199C06A7}"/>
+          </ac:spMkLst>
+        </pc:spChg>
+        <pc:spChg chg="add mod">
+          <ac:chgData name="YENI KATERINE CORDOBA VALENCIA" userId="a991a73ee19c1728" providerId="LiveId" clId="{CB6F53C4-B68A-41B9-8C86-DC2473D487D5}" dt="2023-11-30T15:36:38.246" v="436" actId="1076"/>
+          <ac:spMkLst>
+            <pc:docMk/>
+            <pc:sldMk cId="3379617701" sldId="261"/>
+            <ac:spMk id="7" creationId="{81269425-11F5-358E-4640-2D117EE747E5}"/>
+          </ac:spMkLst>
+        </pc:spChg>
+        <pc:spChg chg="add mod">
+          <ac:chgData name="YENI KATERINE CORDOBA VALENCIA" userId="a991a73ee19c1728" providerId="LiveId" clId="{CB6F53C4-B68A-41B9-8C86-DC2473D487D5}" dt="2023-11-30T15:37:11.618" v="441" actId="1076"/>
+          <ac:spMkLst>
+            <pc:docMk/>
+            <pc:sldMk cId="3379617701" sldId="261"/>
+            <ac:spMk id="8" creationId="{C9219BB7-678A-ECC1-A01E-A20BD9602FBC}"/>
+          </ac:spMkLst>
+        </pc:spChg>
+        <pc:spChg chg="add mod">
+          <ac:chgData name="YENI KATERINE CORDOBA VALENCIA" userId="a991a73ee19c1728" providerId="LiveId" clId="{CB6F53C4-B68A-41B9-8C86-DC2473D487D5}" dt="2023-11-30T15:39:26.518" v="462" actId="1076"/>
+          <ac:spMkLst>
+            <pc:docMk/>
+            <pc:sldMk cId="3379617701" sldId="261"/>
+            <ac:spMk id="9" creationId="{5F98A986-0C85-B00A-8044-8003186154C9}"/>
+          </ac:spMkLst>
+        </pc:spChg>
+        <pc:picChg chg="add mod">
+          <ac:chgData name="YENI KATERINE CORDOBA VALENCIA" userId="a991a73ee19c1728" providerId="LiveId" clId="{CB6F53C4-B68A-41B9-8C86-DC2473D487D5}" dt="2023-11-30T14:55:21.961" v="7" actId="14100"/>
           <ac:picMkLst>
             <pc:docMk/>
-            <pc:sldMk cId="406387641" sldId="258"/>
-            <ac:picMk id="7" creationId="{13ED6376-932F-2E4F-53DA-FF849A22E932}"/>
+            <pc:sldMk cId="3379617701" sldId="261"/>
+            <ac:picMk id="3" creationId="{C848EDB9-2C60-2D4E-77F0-19B04A45B7B7}"/>
+          </ac:picMkLst>
+        </pc:picChg>
+        <pc:picChg chg="add mod">
+          <ac:chgData name="YENI KATERINE CORDOBA VALENCIA" userId="a991a73ee19c1728" providerId="LiveId" clId="{CB6F53C4-B68A-41B9-8C86-DC2473D487D5}" dt="2023-11-30T15:32:47.883" v="414" actId="1076"/>
+          <ac:picMkLst>
+            <pc:docMk/>
+            <pc:sldMk cId="3379617701" sldId="261"/>
+            <ac:picMk id="1026" creationId="{2D3BDE55-14D3-C6D8-CA51-6C7B143FA924}"/>
           </ac:picMkLst>
         </pc:picChg>
         <pc:picChg chg="add del mod">
-          <ac:chgData name="YENI KATERINE CORDOBA VALENCIA" userId="a991a73ee19c1728" providerId="LiveId" clId="{34673879-890C-4951-81B8-33868B2EF45E}" dt="2023-11-30T13:38:46.933" v="286"/>
+          <ac:chgData name="YENI KATERINE CORDOBA VALENCIA" userId="a991a73ee19c1728" providerId="LiveId" clId="{CB6F53C4-B68A-41B9-8C86-DC2473D487D5}" dt="2023-11-30T15:27:52.474" v="374" actId="478"/>
           <ac:picMkLst>
             <pc:docMk/>
-            <pc:sldMk cId="406387641" sldId="258"/>
-            <ac:picMk id="1026" creationId="{609AA398-5EFF-FA8E-B6A8-F63ED46DD635}"/>
+            <pc:sldMk cId="3379617701" sldId="261"/>
+            <ac:picMk id="1028" creationId="{23E15A58-4B0A-0C45-01BB-618EF23555FE}"/>
           </ac:picMkLst>
         </pc:picChg>
         <pc:picChg chg="add mod">
-          <ac:chgData name="YENI KATERINE CORDOBA VALENCIA" userId="a991a73ee19c1728" providerId="LiveId" clId="{34673879-890C-4951-81B8-33868B2EF45E}" dt="2023-11-30T13:49:53.852" v="411" actId="1076"/>
+          <ac:chgData name="YENI KATERINE CORDOBA VALENCIA" userId="a991a73ee19c1728" providerId="LiveId" clId="{CB6F53C4-B68A-41B9-8C86-DC2473D487D5}" dt="2023-11-30T15:36:50.234" v="437" actId="14100"/>
           <ac:picMkLst>
             <pc:docMk/>
-            <pc:sldMk cId="406387641" sldId="258"/>
-            <ac:picMk id="1028" creationId="{274D62B3-7127-7184-D21F-30194C87644F}"/>
+            <pc:sldMk cId="3379617701" sldId="261"/>
+            <ac:picMk id="1030" creationId="{0655668D-456D-BABD-CB3F-28976827FC2B}"/>
           </ac:picMkLst>
         </pc:picChg>
         <pc:picChg chg="add mod">
-          <ac:chgData name="YENI KATERINE CORDOBA VALENCIA" userId="a991a73ee19c1728" providerId="LiveId" clId="{34673879-890C-4951-81B8-33868B2EF45E}" dt="2023-11-30T13:55:39.870" v="529" actId="1076"/>
+          <ac:chgData name="YENI KATERINE CORDOBA VALENCIA" userId="a991a73ee19c1728" providerId="LiveId" clId="{CB6F53C4-B68A-41B9-8C86-DC2473D487D5}" dt="2023-11-30T15:39:10.328" v="460" actId="1076"/>
           <ac:picMkLst>
             <pc:docMk/>
-            <pc:sldMk cId="406387641" sldId="258"/>
-            <ac:picMk id="1030" creationId="{AB413885-42B9-FD9B-9D93-13E53DD745B3}"/>
-          </ac:picMkLst>
-        </pc:picChg>
-        <pc:picChg chg="add mod">
-          <ac:chgData name="YENI KATERINE CORDOBA VALENCIA" userId="a991a73ee19c1728" providerId="LiveId" clId="{34673879-890C-4951-81B8-33868B2EF45E}" dt="2023-11-30T13:55:57.185" v="531" actId="1076"/>
-          <ac:picMkLst>
-            <pc:docMk/>
-            <pc:sldMk cId="406387641" sldId="258"/>
-            <ac:picMk id="1032" creationId="{81E5505C-A57E-1D10-4028-274CBA39A752}"/>
+            <pc:sldMk cId="3379617701" sldId="261"/>
+            <ac:picMk id="1032" creationId="{5FD44000-C3E7-6428-62E0-F9E0EC5D5339}"/>
           </ac:picMkLst>
         </pc:picChg>
       </pc:sldChg>
-      <pc:sldChg chg="new">
-        <pc:chgData name="YENI KATERINE CORDOBA VALENCIA" userId="a991a73ee19c1728" providerId="LiveId" clId="{34673879-890C-4951-81B8-33868B2EF45E}" dt="2023-11-30T13:58:48.104" v="672" actId="680"/>
+      <pc:sldChg chg="addSp modSp new mod">
+        <pc:chgData name="YENI KATERINE CORDOBA VALENCIA" userId="a991a73ee19c1728" providerId="LiveId" clId="{CB6F53C4-B68A-41B9-8C86-DC2473D487D5}" dt="2023-11-30T15:43:18.711" v="532" actId="1076"/>
         <pc:sldMkLst>
           <pc:docMk/>
-          <pc:sldMk cId="4067705731" sldId="259"/>
+          <pc:sldMk cId="1680607934" sldId="262"/>
         </pc:sldMkLst>
+        <pc:spChg chg="mod">
+          <ac:chgData name="YENI KATERINE CORDOBA VALENCIA" userId="a991a73ee19c1728" providerId="LiveId" clId="{CB6F53C4-B68A-41B9-8C86-DC2473D487D5}" dt="2023-11-30T15:40:06.061" v="464" actId="255"/>
+          <ac:spMkLst>
+            <pc:docMk/>
+            <pc:sldMk cId="1680607934" sldId="262"/>
+            <ac:spMk id="2" creationId="{84E0BD02-F53B-C127-9C55-FD614C01BD05}"/>
+          </ac:spMkLst>
+        </pc:spChg>
+        <pc:spChg chg="add mod">
+          <ac:chgData name="YENI KATERINE CORDOBA VALENCIA" userId="a991a73ee19c1728" providerId="LiveId" clId="{CB6F53C4-B68A-41B9-8C86-DC2473D487D5}" dt="2023-11-30T15:43:18.711" v="532" actId="1076"/>
+          <ac:spMkLst>
+            <pc:docMk/>
+            <pc:sldMk cId="1680607934" sldId="262"/>
+            <ac:spMk id="5" creationId="{4A07368F-DBCC-613E-2ACE-0F8A46F85E40}"/>
+          </ac:spMkLst>
+        </pc:spChg>
+        <pc:picChg chg="add mod">
+          <ac:chgData name="YENI KATERINE CORDOBA VALENCIA" userId="a991a73ee19c1728" providerId="LiveId" clId="{CB6F53C4-B68A-41B9-8C86-DC2473D487D5}" dt="2023-11-30T15:40:26.414" v="466" actId="1076"/>
+          <ac:picMkLst>
+            <pc:docMk/>
+            <pc:sldMk cId="1680607934" sldId="262"/>
+            <ac:picMk id="3" creationId="{A1BFBA4A-0A51-EE3A-EFCA-C43159095228}"/>
+          </ac:picMkLst>
+        </pc:picChg>
       </pc:sldChg>
     </pc:docChg>
   </pc:docChgLst>
@@ -3849,18 +3820,18 @@
       </p:pic>
       <p:sp>
         <p:nvSpPr>
-          <p:cNvPr id="2" name="Título 1">
-            <a:extLst>
-              <a:ext uri="{FF2B5EF4-FFF2-40B4-BE49-F238E27FC236}">
-                <a16:creationId xmlns:a16="http://schemas.microsoft.com/office/drawing/2014/main" id="{561FF3BA-B4E1-7855-54CD-C54955F19355}"/>
-              </a:ext>
-            </a:extLst>
-          </p:cNvPr>
-          <p:cNvSpPr>
-            <a:spLocks noGrp="1"/>
-          </p:cNvSpPr>
-          <p:nvPr>
-            <p:ph type="title"/>
+          <p:cNvPr id="3" name="Marcador de contenido 2">
+            <a:extLst>
+              <a:ext uri="{FF2B5EF4-FFF2-40B4-BE49-F238E27FC236}">
+                <a16:creationId xmlns:a16="http://schemas.microsoft.com/office/drawing/2014/main" id="{A0E3A1D3-4CEE-752B-C61B-8C9994062934}"/>
+              </a:ext>
+            </a:extLst>
+          </p:cNvPr>
+          <p:cNvSpPr>
+            <a:spLocks noGrp="1"/>
+          </p:cNvSpPr>
+          <p:nvPr>
+            <p:ph idx="1"/>
           </p:nvPr>
         </p:nvSpPr>
         <p:spPr/>
@@ -3868,34 +3839,16 @@
           <a:bodyPr/>
           <a:lstStyle/>
           <a:p>
-            <a:r>
-              <a:rPr lang="es-ES" dirty="0"/>
-              <a:t>					</a:t>
-            </a:r>
-            <a:endParaRPr lang="es-CO" dirty="0"/>
-          </a:p>
-        </p:txBody>
-      </p:sp>
-      <p:sp>
-        <p:nvSpPr>
-          <p:cNvPr id="3" name="Marcador de contenido 2">
-            <a:extLst>
-              <a:ext uri="{FF2B5EF4-FFF2-40B4-BE49-F238E27FC236}">
-                <a16:creationId xmlns:a16="http://schemas.microsoft.com/office/drawing/2014/main" id="{A0E3A1D3-4CEE-752B-C61B-8C9994062934}"/>
-              </a:ext>
-            </a:extLst>
-          </p:cNvPr>
-          <p:cNvSpPr>
-            <a:spLocks noGrp="1"/>
-          </p:cNvSpPr>
-          <p:nvPr>
-            <p:ph idx="1"/>
-          </p:nvPr>
-        </p:nvSpPr>
-        <p:spPr/>
-        <p:txBody>
-          <a:bodyPr/>
-          <a:lstStyle/>
+            <a:pPr marL="0" indent="0" algn="just" rtl="0" fontAlgn="base">
+              <a:buNone/>
+            </a:pPr>
+            <a:endParaRPr lang="es-ES" sz="3200" dirty="0">
+              <a:solidFill>
+                <a:schemeClr val="bg1"/>
+              </a:solidFill>
+              <a:latin typeface="Bahnschrift" panose="020B0502040204020203" pitchFamily="34" charset="0"/>
+            </a:endParaRPr>
+          </a:p>
           <a:p>
             <a:pPr marL="0" indent="0" algn="just" rtl="0" fontAlgn="base">
               <a:buNone/>
@@ -4024,7 +3977,7 @@
                 </a:solidFill>
                 <a:latin typeface="Arial Rounded MT Bold" panose="020F0704030504030204" pitchFamily="34" charset="0"/>
               </a:rPr>
-              <a:t>IDENTIFICACIÓN DE ELEMENTOS A CLONAR</a:t>
+              <a:t>IDENTIFICACIÓN DE PERFILES A CLONAR</a:t>
             </a:r>
             <a:endParaRPr lang="es-CO" sz="3600" dirty="0">
               <a:solidFill>
@@ -4237,7 +4190,7 @@
         <p:spPr>
           <a:xfrm>
             <a:off x="6302325" y="1465389"/>
-            <a:ext cx="5051475" cy="707886"/>
+            <a:ext cx="5051475" cy="400110"/>
           </a:xfrm>
           <a:prstGeom prst="rect">
             <a:avLst/>
@@ -4257,7 +4210,7 @@
                 </a:solidFill>
                 <a:latin typeface="Bahnschrift" panose="020B0502040204020203" pitchFamily="34" charset="0"/>
               </a:rPr>
-              <a:t>2. Pagina preguntas tipo FALSO o VERDADERO</a:t>
+              <a:t>2. Pagina preguntas FALSO o VERDADERO</a:t>
             </a:r>
             <a:endParaRPr lang="es-CO" sz="2000" dirty="0">
               <a:solidFill>
@@ -4372,6 +4325,20 @@
 <file path=ppt/slides/slide4.xml><?xml version="1.0" encoding="utf-8"?>
 <p:sld xmlns:a="http://schemas.openxmlformats.org/drawingml/2006/main" xmlns:r="http://schemas.openxmlformats.org/officeDocument/2006/relationships" xmlns:p="http://schemas.openxmlformats.org/presentationml/2006/main">
   <p:cSld>
+    <p:bg>
+      <p:bgPr>
+        <a:blipFill dpi="0" rotWithShape="1">
+          <a:blip r:embed="rId2">
+            <a:lum/>
+          </a:blip>
+          <a:srcRect/>
+          <a:stretch>
+            <a:fillRect l="-13000" r="-13000"/>
+          </a:stretch>
+        </a:blipFill>
+        <a:effectLst/>
+      </p:bgPr>
+    </p:bg>
     <p:spTree>
       <p:nvGrpSpPr>
         <p:cNvPr id="1" name=""/>
@@ -4386,10 +4353,907 @@
           <a:chExt cx="0" cy="0"/>
         </a:xfrm>
       </p:grpSpPr>
+      <p:sp>
+        <p:nvSpPr>
+          <p:cNvPr id="2" name="Título 1">
+            <a:extLst>
+              <a:ext uri="{FF2B5EF4-FFF2-40B4-BE49-F238E27FC236}">
+                <a16:creationId xmlns:a16="http://schemas.microsoft.com/office/drawing/2014/main" id="{EBBBDA40-7591-3100-840A-D744F879AA9D}"/>
+              </a:ext>
+            </a:extLst>
+          </p:cNvPr>
+          <p:cNvSpPr>
+            <a:spLocks noGrp="1"/>
+          </p:cNvSpPr>
+          <p:nvPr>
+            <p:ph type="title"/>
+          </p:nvPr>
+        </p:nvSpPr>
+        <p:spPr/>
+        <p:txBody>
+          <a:bodyPr>
+            <a:normAutofit/>
+          </a:bodyPr>
+          <a:lstStyle/>
+          <a:p>
+            <a:r>
+              <a:rPr lang="es-ES" sz="4400" dirty="0">
+                <a:solidFill>
+                  <a:schemeClr val="bg1"/>
+                </a:solidFill>
+                <a:latin typeface="Arial Rounded MT Bold" panose="020F0704030504030204" pitchFamily="34" charset="0"/>
+              </a:rPr>
+              <a:t>ELEMENTOS PARA EL DESARROLLO DEL PROYECTO</a:t>
+            </a:r>
+            <a:endParaRPr lang="es-CO" dirty="0">
+              <a:solidFill>
+                <a:schemeClr val="bg1"/>
+              </a:solidFill>
+            </a:endParaRPr>
+          </a:p>
+        </p:txBody>
+      </p:sp>
+      <p:sp>
+        <p:nvSpPr>
+          <p:cNvPr id="3" name="CuadroTexto 2">
+            <a:extLst>
+              <a:ext uri="{FF2B5EF4-FFF2-40B4-BE49-F238E27FC236}">
+                <a16:creationId xmlns:a16="http://schemas.microsoft.com/office/drawing/2014/main" id="{20D48130-68D3-5EBB-FCCD-F950B737B744}"/>
+              </a:ext>
+            </a:extLst>
+          </p:cNvPr>
+          <p:cNvSpPr txBox="1"/>
+          <p:nvPr/>
+        </p:nvSpPr>
+        <p:spPr>
+          <a:xfrm>
+            <a:off x="956603" y="2047615"/>
+            <a:ext cx="10016197" cy="3785652"/>
+          </a:xfrm>
+          <a:prstGeom prst="rect">
+            <a:avLst/>
+          </a:prstGeom>
+          <a:noFill/>
+        </p:spPr>
+        <p:txBody>
+          <a:bodyPr wrap="square" rtlCol="0">
+            <a:spAutoFit/>
+          </a:bodyPr>
+          <a:lstStyle/>
+          <a:p>
+            <a:pPr algn="l" rtl="0" fontAlgn="base"/>
+            <a:r>
+              <a:rPr lang="es-ES" sz="2400" b="0" i="0" dirty="0">
+                <a:solidFill>
+                  <a:schemeClr val="bg1"/>
+                </a:solidFill>
+                <a:effectLst/>
+                <a:latin typeface="Bahnschrift" panose="020B0502040204020203" pitchFamily="34" charset="0"/>
+              </a:rPr>
+              <a:t>Luego </a:t>
+            </a:r>
+            <a:r>
+              <a:rPr lang="es-ES" sz="2400" dirty="0">
+                <a:solidFill>
+                  <a:schemeClr val="bg1"/>
+                </a:solidFill>
+                <a:latin typeface="Bahnschrift" panose="020B0502040204020203" pitchFamily="34" charset="0"/>
+              </a:rPr>
+              <a:t>de identificados los perfiles a clonar, </a:t>
+            </a:r>
+            <a:r>
+              <a:rPr lang="es-ES" sz="2400" b="0" i="0" dirty="0">
+                <a:solidFill>
+                  <a:schemeClr val="bg1"/>
+                </a:solidFill>
+                <a:effectLst/>
+                <a:latin typeface="Bahnschrift" panose="020B0502040204020203" pitchFamily="34" charset="0"/>
+              </a:rPr>
+              <a:t>se optó por usar para el desarrollo los siguientes elementos y etiquetas: </a:t>
+            </a:r>
+          </a:p>
+          <a:p>
+            <a:pPr algn="l" rtl="0" fontAlgn="base">
+              <a:buFont typeface="Arial" panose="020B0604020202020204" pitchFamily="34" charset="0"/>
+              <a:buChar char="•"/>
+            </a:pPr>
+            <a:r>
+              <a:rPr lang="es-ES" sz="2400" b="0" i="0" dirty="0">
+                <a:solidFill>
+                  <a:schemeClr val="bg1"/>
+                </a:solidFill>
+                <a:effectLst/>
+                <a:latin typeface="Bahnschrift" panose="020B0502040204020203" pitchFamily="34" charset="0"/>
+              </a:rPr>
+              <a:t>GRID </a:t>
+            </a:r>
+          </a:p>
+          <a:p>
+            <a:pPr algn="l" rtl="0" fontAlgn="base">
+              <a:buFont typeface="Arial" panose="020B0604020202020204" pitchFamily="34" charset="0"/>
+              <a:buChar char="•"/>
+            </a:pPr>
+            <a:r>
+              <a:rPr lang="es-ES" sz="2400" b="0" i="0" dirty="0">
+                <a:solidFill>
+                  <a:schemeClr val="bg1"/>
+                </a:solidFill>
+                <a:effectLst/>
+                <a:latin typeface="Bahnschrift" panose="020B0502040204020203" pitchFamily="34" charset="0"/>
+              </a:rPr>
+              <a:t>FLEX </a:t>
+            </a:r>
+          </a:p>
+          <a:p>
+            <a:pPr algn="l" rtl="0" fontAlgn="base">
+              <a:buFont typeface="Arial" panose="020B0604020202020204" pitchFamily="34" charset="0"/>
+              <a:buChar char="•"/>
+            </a:pPr>
+            <a:r>
+              <a:rPr lang="es-ES" sz="2400" b="0" i="0" dirty="0">
+                <a:solidFill>
+                  <a:schemeClr val="bg1"/>
+                </a:solidFill>
+                <a:effectLst/>
+                <a:latin typeface="Bahnschrift" panose="020B0502040204020203" pitchFamily="34" charset="0"/>
+              </a:rPr>
+              <a:t>DIV </a:t>
+            </a:r>
+          </a:p>
+          <a:p>
+            <a:pPr algn="l" rtl="0" fontAlgn="base">
+              <a:buFont typeface="Arial" panose="020B0604020202020204" pitchFamily="34" charset="0"/>
+              <a:buChar char="•"/>
+            </a:pPr>
+            <a:r>
+              <a:rPr lang="es-ES" sz="2400" b="0" i="0" dirty="0">
+                <a:solidFill>
+                  <a:schemeClr val="bg1"/>
+                </a:solidFill>
+                <a:effectLst/>
+                <a:latin typeface="Bahnschrift" panose="020B0502040204020203" pitchFamily="34" charset="0"/>
+              </a:rPr>
+              <a:t>IMG </a:t>
+            </a:r>
+          </a:p>
+          <a:p>
+            <a:pPr algn="l" rtl="0" fontAlgn="base">
+              <a:buFont typeface="Arial" panose="020B0604020202020204" pitchFamily="34" charset="0"/>
+              <a:buChar char="•"/>
+            </a:pPr>
+            <a:r>
+              <a:rPr lang="es-ES" sz="2400" b="0" i="0" dirty="0">
+                <a:solidFill>
+                  <a:schemeClr val="bg1"/>
+                </a:solidFill>
+                <a:effectLst/>
+                <a:latin typeface="Bahnschrift" panose="020B0502040204020203" pitchFamily="34" charset="0"/>
+              </a:rPr>
+              <a:t>LINK </a:t>
+            </a:r>
+          </a:p>
+          <a:p>
+            <a:pPr algn="l" rtl="0" fontAlgn="base">
+              <a:buFont typeface="Arial" panose="020B0604020202020204" pitchFamily="34" charset="0"/>
+              <a:buChar char="•"/>
+            </a:pPr>
+            <a:r>
+              <a:rPr lang="es-ES" sz="2400" b="0" i="0" dirty="0">
+                <a:solidFill>
+                  <a:schemeClr val="bg1"/>
+                </a:solidFill>
+                <a:effectLst/>
+                <a:latin typeface="Bahnschrift" panose="020B0502040204020203" pitchFamily="34" charset="0"/>
+              </a:rPr>
+              <a:t>H1 </a:t>
+            </a:r>
+          </a:p>
+          <a:p>
+            <a:pPr algn="l" rtl="0" fontAlgn="base">
+              <a:buFont typeface="Arial" panose="020B0604020202020204" pitchFamily="34" charset="0"/>
+              <a:buChar char="•"/>
+            </a:pPr>
+            <a:r>
+              <a:rPr lang="es-ES" sz="2400" b="0" i="0" dirty="0">
+                <a:solidFill>
+                  <a:schemeClr val="bg1"/>
+                </a:solidFill>
+                <a:effectLst/>
+                <a:latin typeface="Bahnschrift" panose="020B0502040204020203" pitchFamily="34" charset="0"/>
+              </a:rPr>
+              <a:t>H2 </a:t>
+            </a:r>
+          </a:p>
+          <a:p>
+            <a:pPr algn="l" rtl="0" fontAlgn="base">
+              <a:buFont typeface="Arial" panose="020B0604020202020204" pitchFamily="34" charset="0"/>
+              <a:buChar char="•"/>
+            </a:pPr>
+            <a:r>
+              <a:rPr lang="es-ES" sz="2400" b="0" i="0" dirty="0">
+                <a:solidFill>
+                  <a:schemeClr val="bg1"/>
+                </a:solidFill>
+                <a:effectLst/>
+                <a:latin typeface="Bahnschrift" panose="020B0502040204020203" pitchFamily="34" charset="0"/>
+              </a:rPr>
+              <a:t>Entre otros </a:t>
+            </a:r>
+          </a:p>
+        </p:txBody>
+      </p:sp>
     </p:spTree>
     <p:extLst>
       <p:ext uri="{BB962C8B-B14F-4D97-AF65-F5344CB8AC3E}">
-        <p14:creationId xmlns:p14="http://schemas.microsoft.com/office/powerpoint/2010/main" val="4067705731"/>
+        <p14:creationId xmlns:p14="http://schemas.microsoft.com/office/powerpoint/2010/main" val="1129605651"/>
+      </p:ext>
+    </p:extLst>
+  </p:cSld>
+  <p:clrMapOvr>
+    <a:masterClrMapping/>
+  </p:clrMapOvr>
+</p:sld>
+</file>
+
+<file path=ppt/slides/slide5.xml><?xml version="1.0" encoding="utf-8"?>
+<p:sld xmlns:a="http://schemas.openxmlformats.org/drawingml/2006/main" xmlns:r="http://schemas.openxmlformats.org/officeDocument/2006/relationships" xmlns:p="http://schemas.openxmlformats.org/presentationml/2006/main">
+  <p:cSld>
+    <p:spTree>
+      <p:nvGrpSpPr>
+        <p:cNvPr id="1" name=""/>
+        <p:cNvGrpSpPr/>
+        <p:nvPr/>
+      </p:nvGrpSpPr>
+      <p:grpSpPr>
+        <a:xfrm>
+          <a:off x="0" y="0"/>
+          <a:ext cx="0" cy="0"/>
+          <a:chOff x="0" y="0"/>
+          <a:chExt cx="0" cy="0"/>
+        </a:xfrm>
+      </p:grpSpPr>
+      <p:sp>
+        <p:nvSpPr>
+          <p:cNvPr id="2" name="Título 1">
+            <a:extLst>
+              <a:ext uri="{FF2B5EF4-FFF2-40B4-BE49-F238E27FC236}">
+                <a16:creationId xmlns:a16="http://schemas.microsoft.com/office/drawing/2014/main" id="{93F7788B-6584-F02B-D81E-C71A97638AE1}"/>
+              </a:ext>
+            </a:extLst>
+          </p:cNvPr>
+          <p:cNvSpPr>
+            <a:spLocks noGrp="1"/>
+          </p:cNvSpPr>
+          <p:nvPr>
+            <p:ph type="title"/>
+          </p:nvPr>
+        </p:nvSpPr>
+        <p:spPr/>
+        <p:txBody>
+          <a:bodyPr>
+            <a:normAutofit/>
+          </a:bodyPr>
+          <a:lstStyle/>
+          <a:p>
+            <a:r>
+              <a:rPr lang="es-ES" sz="3200" b="1" dirty="0">
+                <a:solidFill>
+                  <a:srgbClr val="7030A0"/>
+                </a:solidFill>
+                <a:latin typeface="Arial Rounded MT Bold" panose="020F0704030504030204" pitchFamily="34" charset="0"/>
+              </a:rPr>
+              <a:t>DESARROLLO PROYECTO CLON </a:t>
+            </a:r>
+            <a:endParaRPr lang="es-CO" sz="3200" b="1" dirty="0">
+              <a:solidFill>
+                <a:srgbClr val="7030A0"/>
+              </a:solidFill>
+              <a:latin typeface="Arial Rounded MT Bold" panose="020F0704030504030204" pitchFamily="34" charset="0"/>
+            </a:endParaRPr>
+          </a:p>
+        </p:txBody>
+      </p:sp>
+      <p:pic>
+        <p:nvPicPr>
+          <p:cNvPr id="3" name="Imagen 2">
+            <a:extLst>
+              <a:ext uri="{FF2B5EF4-FFF2-40B4-BE49-F238E27FC236}">
+                <a16:creationId xmlns:a16="http://schemas.microsoft.com/office/drawing/2014/main" id="{C848EDB9-2C60-2D4E-77F0-19B04A45B7B7}"/>
+              </a:ext>
+            </a:extLst>
+          </p:cNvPr>
+          <p:cNvPicPr>
+            <a:picLocks noChangeAspect="1"/>
+          </p:cNvPicPr>
+          <p:nvPr/>
+        </p:nvPicPr>
+        <p:blipFill>
+          <a:blip r:embed="rId2">
+            <a:duotone>
+              <a:prstClr val="black"/>
+              <a:srgbClr val="7030A0">
+                <a:tint val="45000"/>
+                <a:satMod val="400000"/>
+              </a:srgbClr>
+            </a:duotone>
+          </a:blip>
+          <a:stretch>
+            <a:fillRect/>
+          </a:stretch>
+        </p:blipFill>
+        <p:spPr>
+          <a:xfrm>
+            <a:off x="7575925" y="378883"/>
+            <a:ext cx="2657287" cy="906325"/>
+          </a:xfrm>
+          <a:prstGeom prst="rect">
+            <a:avLst/>
+          </a:prstGeom>
+        </p:spPr>
+      </p:pic>
+      <p:sp>
+        <p:nvSpPr>
+          <p:cNvPr id="5" name="CuadroTexto 4">
+            <a:extLst>
+              <a:ext uri="{FF2B5EF4-FFF2-40B4-BE49-F238E27FC236}">
+                <a16:creationId xmlns:a16="http://schemas.microsoft.com/office/drawing/2014/main" id="{DA06DC0F-8FB2-8997-DF63-4CE2199C06A7}"/>
+              </a:ext>
+            </a:extLst>
+          </p:cNvPr>
+          <p:cNvSpPr txBox="1"/>
+          <p:nvPr/>
+        </p:nvSpPr>
+        <p:spPr>
+          <a:xfrm>
+            <a:off x="843803" y="1541382"/>
+            <a:ext cx="4091268" cy="338554"/>
+          </a:xfrm>
+          <a:prstGeom prst="rect">
+            <a:avLst/>
+          </a:prstGeom>
+          <a:noFill/>
+        </p:spPr>
+        <p:txBody>
+          <a:bodyPr wrap="square" rtlCol="0">
+            <a:spAutoFit/>
+          </a:bodyPr>
+          <a:lstStyle/>
+          <a:p>
+            <a:r>
+              <a:rPr lang="es-ES" sz="1600" b="1" dirty="0">
+                <a:solidFill>
+                  <a:srgbClr val="7030A0"/>
+                </a:solidFill>
+                <a:latin typeface="Bahnschrift" panose="020B0502040204020203" pitchFamily="34" charset="0"/>
+              </a:rPr>
+              <a:t>1. CREACIÓN PAGINA DE INGRESO PIN</a:t>
+            </a:r>
+          </a:p>
+        </p:txBody>
+      </p:sp>
+      <p:pic>
+        <p:nvPicPr>
+          <p:cNvPr id="1026" name="Picture 2">
+            <a:extLst>
+              <a:ext uri="{FF2B5EF4-FFF2-40B4-BE49-F238E27FC236}">
+                <a16:creationId xmlns:a16="http://schemas.microsoft.com/office/drawing/2014/main" id="{2D3BDE55-14D3-C6D8-CA51-6C7B143FA924}"/>
+              </a:ext>
+            </a:extLst>
+          </p:cNvPr>
+          <p:cNvPicPr>
+            <a:picLocks noChangeAspect="1" noChangeArrowheads="1"/>
+          </p:cNvPicPr>
+          <p:nvPr/>
+        </p:nvPicPr>
+        <p:blipFill>
+          <a:blip r:embed="rId3">
+            <a:extLst>
+              <a:ext uri="{28A0092B-C50C-407E-A947-70E740481C1C}">
+                <a14:useLocalDpi xmlns:a14="http://schemas.microsoft.com/office/drawing/2010/main" val="0"/>
+              </a:ext>
+            </a:extLst>
+          </a:blip>
+          <a:srcRect/>
+          <a:stretch>
+            <a:fillRect/>
+          </a:stretch>
+        </p:blipFill>
+        <p:spPr bwMode="auto">
+          <a:xfrm>
+            <a:off x="962585" y="3460739"/>
+            <a:ext cx="3569074" cy="2276787"/>
+          </a:xfrm>
+          <a:prstGeom prst="rect">
+            <a:avLst/>
+          </a:prstGeom>
+          <a:noFill/>
+          <a:extLst>
+            <a:ext uri="{909E8E84-426E-40DD-AFC4-6F175D3DCCD1}">
+              <a14:hiddenFill xmlns:a14="http://schemas.microsoft.com/office/drawing/2010/main">
+                <a:solidFill>
+                  <a:srgbClr val="FFFFFF"/>
+                </a:solidFill>
+              </a14:hiddenFill>
+            </a:ext>
+          </a:extLst>
+        </p:spPr>
+      </p:pic>
+      <p:sp>
+        <p:nvSpPr>
+          <p:cNvPr id="7" name="CuadroTexto 6">
+            <a:extLst>
+              <a:ext uri="{FF2B5EF4-FFF2-40B4-BE49-F238E27FC236}">
+                <a16:creationId xmlns:a16="http://schemas.microsoft.com/office/drawing/2014/main" id="{81269425-11F5-358E-4640-2D117EE747E5}"/>
+              </a:ext>
+            </a:extLst>
+          </p:cNvPr>
+          <p:cNvSpPr txBox="1"/>
+          <p:nvPr/>
+        </p:nvSpPr>
+        <p:spPr>
+          <a:xfrm>
+            <a:off x="838200" y="2017616"/>
+            <a:ext cx="3693459" cy="1138773"/>
+          </a:xfrm>
+          <a:prstGeom prst="rect">
+            <a:avLst/>
+          </a:prstGeom>
+          <a:noFill/>
+        </p:spPr>
+        <p:txBody>
+          <a:bodyPr wrap="square">
+            <a:spAutoFit/>
+          </a:bodyPr>
+          <a:lstStyle/>
+          <a:p>
+            <a:pPr marL="285750" indent="-285750" algn="just">
+              <a:buFont typeface="Arial" panose="020B0604020202020204" pitchFamily="34" charset="0"/>
+              <a:buChar char="•"/>
+            </a:pPr>
+            <a:r>
+              <a:rPr lang="es-ES" sz="1700" b="0" i="0" dirty="0">
+                <a:solidFill>
+                  <a:srgbClr val="7030A0"/>
+                </a:solidFill>
+                <a:effectLst/>
+                <a:latin typeface="Bahnschrift" panose="020B0502040204020203" pitchFamily="34" charset="0"/>
+              </a:rPr>
+              <a:t>Se creó el archivo HTML con el nombre </a:t>
+            </a:r>
+            <a:r>
+              <a:rPr lang="es-ES" sz="1700" b="1" i="1" dirty="0">
+                <a:solidFill>
+                  <a:srgbClr val="7030A0"/>
+                </a:solidFill>
+                <a:effectLst/>
+                <a:latin typeface="Bahnschrift" panose="020B0502040204020203" pitchFamily="34" charset="0"/>
+              </a:rPr>
+              <a:t>index_Kahoot_Styles.CSS</a:t>
+            </a:r>
+            <a:r>
+              <a:rPr lang="es-ES" sz="1700" b="0" i="0" dirty="0">
+                <a:solidFill>
+                  <a:srgbClr val="7030A0"/>
+                </a:solidFill>
+                <a:effectLst/>
+                <a:latin typeface="Bahnschrift" panose="020B0502040204020203" pitchFamily="34" charset="0"/>
+              </a:rPr>
+              <a:t> el cual se compone de varios “</a:t>
+            </a:r>
+            <a:r>
+              <a:rPr lang="es-ES" sz="1700" b="1" i="0" dirty="0" err="1">
+                <a:solidFill>
+                  <a:srgbClr val="7030A0"/>
+                </a:solidFill>
+                <a:effectLst/>
+                <a:latin typeface="Bahnschrift" panose="020B0502040204020203" pitchFamily="34" charset="0"/>
+              </a:rPr>
+              <a:t>div</a:t>
+            </a:r>
+            <a:r>
+              <a:rPr lang="es-ES" sz="1700" b="0" i="0" dirty="0">
+                <a:solidFill>
+                  <a:srgbClr val="7030A0"/>
+                </a:solidFill>
+                <a:effectLst/>
+                <a:latin typeface="Bahnschrift" panose="020B0502040204020203" pitchFamily="34" charset="0"/>
+              </a:rPr>
+              <a:t>”.</a:t>
+            </a:r>
+            <a:endParaRPr lang="es-ES" sz="1700" b="1" dirty="0">
+              <a:solidFill>
+                <a:srgbClr val="7030A0"/>
+              </a:solidFill>
+              <a:latin typeface="Bahnschrift" panose="020B0502040204020203" pitchFamily="34" charset="0"/>
+            </a:endParaRPr>
+          </a:p>
+        </p:txBody>
+      </p:sp>
+      <p:pic>
+        <p:nvPicPr>
+          <p:cNvPr id="1030" name="Picture 6">
+            <a:extLst>
+              <a:ext uri="{FF2B5EF4-FFF2-40B4-BE49-F238E27FC236}">
+                <a16:creationId xmlns:a16="http://schemas.microsoft.com/office/drawing/2014/main" id="{0655668D-456D-BABD-CB3F-28976827FC2B}"/>
+              </a:ext>
+            </a:extLst>
+          </p:cNvPr>
+          <p:cNvPicPr>
+            <a:picLocks noChangeAspect="1" noChangeArrowheads="1"/>
+          </p:cNvPicPr>
+          <p:nvPr/>
+        </p:nvPicPr>
+        <p:blipFill>
+          <a:blip r:embed="rId4">
+            <a:extLst>
+              <a:ext uri="{28A0092B-C50C-407E-A947-70E740481C1C}">
+                <a14:useLocalDpi xmlns:a14="http://schemas.microsoft.com/office/drawing/2010/main" val="0"/>
+              </a:ext>
+            </a:extLst>
+          </a:blip>
+          <a:srcRect/>
+          <a:stretch>
+            <a:fillRect/>
+          </a:stretch>
+        </p:blipFill>
+        <p:spPr bwMode="auto">
+          <a:xfrm>
+            <a:off x="4935071" y="2082276"/>
+            <a:ext cx="3073819" cy="2504200"/>
+          </a:xfrm>
+          <a:prstGeom prst="rect">
+            <a:avLst/>
+          </a:prstGeom>
+          <a:noFill/>
+          <a:extLst>
+            <a:ext uri="{909E8E84-426E-40DD-AFC4-6F175D3DCCD1}">
+              <a14:hiddenFill xmlns:a14="http://schemas.microsoft.com/office/drawing/2010/main">
+                <a:solidFill>
+                  <a:srgbClr val="FFFFFF"/>
+                </a:solidFill>
+              </a14:hiddenFill>
+            </a:ext>
+          </a:extLst>
+        </p:spPr>
+      </p:pic>
+      <p:sp>
+        <p:nvSpPr>
+          <p:cNvPr id="8" name="CuadroTexto 7">
+            <a:extLst>
+              <a:ext uri="{FF2B5EF4-FFF2-40B4-BE49-F238E27FC236}">
+                <a16:creationId xmlns:a16="http://schemas.microsoft.com/office/drawing/2014/main" id="{C9219BB7-678A-ECC1-A01E-A20BD9602FBC}"/>
+              </a:ext>
+            </a:extLst>
+          </p:cNvPr>
+          <p:cNvSpPr txBox="1"/>
+          <p:nvPr/>
+        </p:nvSpPr>
+        <p:spPr>
+          <a:xfrm>
+            <a:off x="4633632" y="4599132"/>
+            <a:ext cx="3569074" cy="2185214"/>
+          </a:xfrm>
+          <a:prstGeom prst="rect">
+            <a:avLst/>
+          </a:prstGeom>
+          <a:noFill/>
+        </p:spPr>
+        <p:txBody>
+          <a:bodyPr wrap="square" rtlCol="0">
+            <a:spAutoFit/>
+          </a:bodyPr>
+          <a:lstStyle/>
+          <a:p>
+            <a:pPr marL="285750" indent="-285750">
+              <a:buFont typeface="Arial" panose="020B0604020202020204" pitchFamily="34" charset="0"/>
+              <a:buChar char="•"/>
+            </a:pPr>
+            <a:r>
+              <a:rPr lang="es-CO" sz="1700" b="0" i="0" dirty="0">
+                <a:solidFill>
+                  <a:srgbClr val="7030A0"/>
+                </a:solidFill>
+                <a:effectLst/>
+                <a:latin typeface="Bahnschrift" panose="020B0502040204020203" pitchFamily="34" charset="0"/>
+              </a:rPr>
+              <a:t>Se creó la hoja de estilos CSS con el nombre </a:t>
+            </a:r>
+            <a:r>
+              <a:rPr lang="es-CO" sz="1700" b="1" i="1" dirty="0">
+                <a:solidFill>
+                  <a:srgbClr val="7030A0"/>
+                </a:solidFill>
+                <a:effectLst/>
+                <a:latin typeface="Bahnschrift" panose="020B0502040204020203" pitchFamily="34" charset="0"/>
+              </a:rPr>
+              <a:t>index_Kahoot_Styles.CSS </a:t>
+            </a:r>
+            <a:r>
+              <a:rPr lang="es-CO" sz="1700" b="0" i="0" dirty="0">
+                <a:solidFill>
+                  <a:srgbClr val="7030A0"/>
+                </a:solidFill>
+                <a:effectLst/>
+                <a:latin typeface="Bahnschrift" panose="020B0502040204020203" pitchFamily="34" charset="0"/>
+              </a:rPr>
+              <a:t>para aplicar los estilos que den la apariencia de la página original a cada una de las etiquetas que se encuentran en el archivo HTML</a:t>
+            </a:r>
+            <a:endParaRPr lang="es-CO" sz="1700" dirty="0">
+              <a:solidFill>
+                <a:srgbClr val="7030A0"/>
+              </a:solidFill>
+              <a:latin typeface="Bahnschrift" panose="020B0502040204020203" pitchFamily="34" charset="0"/>
+            </a:endParaRPr>
+          </a:p>
+        </p:txBody>
+      </p:sp>
+      <p:sp>
+        <p:nvSpPr>
+          <p:cNvPr id="9" name="CuadroTexto 8">
+            <a:extLst>
+              <a:ext uri="{FF2B5EF4-FFF2-40B4-BE49-F238E27FC236}">
+                <a16:creationId xmlns:a16="http://schemas.microsoft.com/office/drawing/2014/main" id="{5F98A986-0C85-B00A-8044-8003186154C9}"/>
+              </a:ext>
+            </a:extLst>
+          </p:cNvPr>
+          <p:cNvSpPr txBox="1"/>
+          <p:nvPr/>
+        </p:nvSpPr>
+        <p:spPr>
+          <a:xfrm>
+            <a:off x="8202706" y="2747891"/>
+            <a:ext cx="3281082" cy="1661993"/>
+          </a:xfrm>
+          <a:prstGeom prst="rect">
+            <a:avLst/>
+          </a:prstGeom>
+          <a:noFill/>
+        </p:spPr>
+        <p:txBody>
+          <a:bodyPr wrap="square" rtlCol="0">
+            <a:spAutoFit/>
+          </a:bodyPr>
+          <a:lstStyle/>
+          <a:p>
+            <a:pPr marL="285750" indent="-285750">
+              <a:buFont typeface="Arial" panose="020B0604020202020204" pitchFamily="34" charset="0"/>
+              <a:buChar char="•"/>
+            </a:pPr>
+            <a:r>
+              <a:rPr lang="es-ES" sz="1700" b="0" i="0" dirty="0">
+                <a:solidFill>
+                  <a:srgbClr val="7030A0"/>
+                </a:solidFill>
+                <a:effectLst/>
+                <a:latin typeface="Bahnschrift" panose="020B0502040204020203" pitchFamily="34" charset="0"/>
+              </a:rPr>
+              <a:t>Para las iteraciones y accione de los elementos mencionados anteriormente, se creó el archivo JS llamado “</a:t>
+            </a:r>
+            <a:r>
+              <a:rPr lang="es-ES" sz="1700" b="1" i="1" dirty="0">
+                <a:solidFill>
+                  <a:srgbClr val="7030A0"/>
+                </a:solidFill>
+                <a:effectLst/>
+                <a:latin typeface="Bahnschrift" panose="020B0502040204020203" pitchFamily="34" charset="0"/>
+              </a:rPr>
+              <a:t>modules_Kahoot_Prueba.js”</a:t>
+            </a:r>
+            <a:r>
+              <a:rPr lang="es-ES" sz="1700" b="0" i="0" dirty="0">
+                <a:solidFill>
+                  <a:srgbClr val="7030A0"/>
+                </a:solidFill>
+                <a:effectLst/>
+                <a:latin typeface="Bahnschrift" panose="020B0502040204020203" pitchFamily="34" charset="0"/>
+              </a:rPr>
+              <a:t> </a:t>
+            </a:r>
+            <a:endParaRPr lang="es-CO" sz="1700" dirty="0">
+              <a:solidFill>
+                <a:srgbClr val="7030A0"/>
+              </a:solidFill>
+              <a:latin typeface="Bahnschrift" panose="020B0502040204020203" pitchFamily="34" charset="0"/>
+            </a:endParaRPr>
+          </a:p>
+        </p:txBody>
+      </p:sp>
+      <p:pic>
+        <p:nvPicPr>
+          <p:cNvPr id="1032" name="Picture 8">
+            <a:extLst>
+              <a:ext uri="{FF2B5EF4-FFF2-40B4-BE49-F238E27FC236}">
+                <a16:creationId xmlns:a16="http://schemas.microsoft.com/office/drawing/2014/main" id="{5FD44000-C3E7-6428-62E0-F9E0EC5D5339}"/>
+              </a:ext>
+            </a:extLst>
+          </p:cNvPr>
+          <p:cNvPicPr>
+            <a:picLocks noChangeAspect="1" noChangeArrowheads="1"/>
+          </p:cNvPicPr>
+          <p:nvPr/>
+        </p:nvPicPr>
+        <p:blipFill>
+          <a:blip r:embed="rId5">
+            <a:extLst>
+              <a:ext uri="{28A0092B-C50C-407E-A947-70E740481C1C}">
+                <a14:useLocalDpi xmlns:a14="http://schemas.microsoft.com/office/drawing/2010/main" val="0"/>
+              </a:ext>
+            </a:extLst>
+          </a:blip>
+          <a:srcRect/>
+          <a:stretch>
+            <a:fillRect/>
+          </a:stretch>
+        </p:blipFill>
+        <p:spPr bwMode="auto">
+          <a:xfrm>
+            <a:off x="8304679" y="4599132"/>
+            <a:ext cx="3426555" cy="1214665"/>
+          </a:xfrm>
+          <a:prstGeom prst="rect">
+            <a:avLst/>
+          </a:prstGeom>
+          <a:noFill/>
+          <a:extLst>
+            <a:ext uri="{909E8E84-426E-40DD-AFC4-6F175D3DCCD1}">
+              <a14:hiddenFill xmlns:a14="http://schemas.microsoft.com/office/drawing/2010/main">
+                <a:solidFill>
+                  <a:srgbClr val="FFFFFF"/>
+                </a:solidFill>
+              </a14:hiddenFill>
+            </a:ext>
+          </a:extLst>
+        </p:spPr>
+      </p:pic>
+    </p:spTree>
+    <p:extLst>
+      <p:ext uri="{BB962C8B-B14F-4D97-AF65-F5344CB8AC3E}">
+        <p14:creationId xmlns:p14="http://schemas.microsoft.com/office/powerpoint/2010/main" val="3379617701"/>
+      </p:ext>
+    </p:extLst>
+  </p:cSld>
+  <p:clrMapOvr>
+    <a:masterClrMapping/>
+  </p:clrMapOvr>
+</p:sld>
+</file>
+
+<file path=ppt/slides/slide6.xml><?xml version="1.0" encoding="utf-8"?>
+<p:sld xmlns:a="http://schemas.openxmlformats.org/drawingml/2006/main" xmlns:r="http://schemas.openxmlformats.org/officeDocument/2006/relationships" xmlns:p="http://schemas.openxmlformats.org/presentationml/2006/main">
+  <p:cSld>
+    <p:spTree>
+      <p:nvGrpSpPr>
+        <p:cNvPr id="1" name=""/>
+        <p:cNvGrpSpPr/>
+        <p:nvPr/>
+      </p:nvGrpSpPr>
+      <p:grpSpPr>
+        <a:xfrm>
+          <a:off x="0" y="0"/>
+          <a:ext cx="0" cy="0"/>
+          <a:chOff x="0" y="0"/>
+          <a:chExt cx="0" cy="0"/>
+        </a:xfrm>
+      </p:grpSpPr>
+      <p:sp>
+        <p:nvSpPr>
+          <p:cNvPr id="2" name="Título 1">
+            <a:extLst>
+              <a:ext uri="{FF2B5EF4-FFF2-40B4-BE49-F238E27FC236}">
+                <a16:creationId xmlns:a16="http://schemas.microsoft.com/office/drawing/2014/main" id="{84E0BD02-F53B-C127-9C55-FD614C01BD05}"/>
+              </a:ext>
+            </a:extLst>
+          </p:cNvPr>
+          <p:cNvSpPr>
+            <a:spLocks noGrp="1"/>
+          </p:cNvSpPr>
+          <p:nvPr>
+            <p:ph type="title"/>
+          </p:nvPr>
+        </p:nvSpPr>
+        <p:spPr/>
+        <p:txBody>
+          <a:bodyPr>
+            <a:normAutofit/>
+          </a:bodyPr>
+          <a:lstStyle/>
+          <a:p>
+            <a:r>
+              <a:rPr lang="es-ES" sz="3200" b="1" dirty="0">
+                <a:solidFill>
+                  <a:srgbClr val="7030A0"/>
+                </a:solidFill>
+                <a:latin typeface="Arial Rounded MT Bold" panose="020F0704030504030204" pitchFamily="34" charset="0"/>
+              </a:rPr>
+              <a:t>DESARROLLO PROYECTO CLON </a:t>
+            </a:r>
+            <a:endParaRPr lang="es-CO" sz="3200" dirty="0"/>
+          </a:p>
+        </p:txBody>
+      </p:sp>
+      <p:pic>
+        <p:nvPicPr>
+          <p:cNvPr id="3" name="Imagen 2">
+            <a:extLst>
+              <a:ext uri="{FF2B5EF4-FFF2-40B4-BE49-F238E27FC236}">
+                <a16:creationId xmlns:a16="http://schemas.microsoft.com/office/drawing/2014/main" id="{A1BFBA4A-0A51-EE3A-EFCA-C43159095228}"/>
+              </a:ext>
+            </a:extLst>
+          </p:cNvPr>
+          <p:cNvPicPr>
+            <a:picLocks noChangeAspect="1"/>
+          </p:cNvPicPr>
+          <p:nvPr/>
+        </p:nvPicPr>
+        <p:blipFill>
+          <a:blip r:embed="rId2"/>
+          <a:stretch>
+            <a:fillRect/>
+          </a:stretch>
+        </p:blipFill>
+        <p:spPr>
+          <a:xfrm>
+            <a:off x="7577393" y="365125"/>
+            <a:ext cx="2658086" cy="908383"/>
+          </a:xfrm>
+          <a:prstGeom prst="rect">
+            <a:avLst/>
+          </a:prstGeom>
+        </p:spPr>
+      </p:pic>
+      <p:sp>
+        <p:nvSpPr>
+          <p:cNvPr id="5" name="CuadroTexto 4">
+            <a:extLst>
+              <a:ext uri="{FF2B5EF4-FFF2-40B4-BE49-F238E27FC236}">
+                <a16:creationId xmlns:a16="http://schemas.microsoft.com/office/drawing/2014/main" id="{4A07368F-DBCC-613E-2ACE-0F8A46F85E40}"/>
+              </a:ext>
+            </a:extLst>
+          </p:cNvPr>
+          <p:cNvSpPr txBox="1"/>
+          <p:nvPr/>
+        </p:nvSpPr>
+        <p:spPr>
+          <a:xfrm>
+            <a:off x="838200" y="1506022"/>
+            <a:ext cx="6098240" cy="369332"/>
+          </a:xfrm>
+          <a:prstGeom prst="rect">
+            <a:avLst/>
+          </a:prstGeom>
+          <a:noFill/>
+        </p:spPr>
+        <p:txBody>
+          <a:bodyPr wrap="square">
+            <a:spAutoFit/>
+          </a:bodyPr>
+          <a:lstStyle/>
+          <a:p>
+            <a:r>
+              <a:rPr lang="es-ES" b="1" dirty="0">
+                <a:solidFill>
+                  <a:srgbClr val="7030A0"/>
+                </a:solidFill>
+                <a:latin typeface="Bahnschrift" panose="020B0502040204020203" pitchFamily="34" charset="0"/>
+              </a:rPr>
+              <a:t>2</a:t>
+            </a:r>
+            <a:r>
+              <a:rPr lang="es-ES" sz="1800" b="1" dirty="0">
+                <a:solidFill>
+                  <a:srgbClr val="7030A0"/>
+                </a:solidFill>
+                <a:latin typeface="Bahnschrift" panose="020B0502040204020203" pitchFamily="34" charset="0"/>
+              </a:rPr>
+              <a:t>. CREACIÓN PAGINA PREGUNTAS FALSO O VERDADERO</a:t>
+            </a:r>
+          </a:p>
+        </p:txBody>
+      </p:sp>
+    </p:spTree>
+    <p:extLst>
+      <p:ext uri="{BB962C8B-B14F-4D97-AF65-F5344CB8AC3E}">
+        <p14:creationId xmlns:p14="http://schemas.microsoft.com/office/powerpoint/2010/main" val="1680607934"/>
       </p:ext>
     </p:extLst>
   </p:cSld>

--- a/Kahoot_Files_Beta_ADL/Presentacion CLON KAHOOT.pptx
+++ b/Kahoot_Files_Beta_ADL/Presentacion CLON KAHOOT.pptx
@@ -11,6 +11,9 @@
     <p:sldId id="260" r:id="rId5"/>
     <p:sldId id="261" r:id="rId6"/>
     <p:sldId id="262" r:id="rId7"/>
+    <p:sldId id="263" r:id="rId8"/>
+    <p:sldId id="264" r:id="rId9"/>
+    <p:sldId id="265" r:id="rId10"/>
   </p:sldIdLst>
   <p:sldSz cx="12192000" cy="6858000"/>
   <p:notesSz cx="6858000" cy="9144000"/>
@@ -122,12 +125,42 @@
   <pc:docChgLst>
     <pc:chgData name="YENI KATERINE CORDOBA VALENCIA" userId="a991a73ee19c1728" providerId="LiveId" clId="{CB6F53C4-B68A-41B9-8C86-DC2473D487D5}"/>
     <pc:docChg chg="custSel addSld modSld">
-      <pc:chgData name="YENI KATERINE CORDOBA VALENCIA" userId="a991a73ee19c1728" providerId="LiveId" clId="{CB6F53C4-B68A-41B9-8C86-DC2473D487D5}" dt="2023-11-30T15:43:18.711" v="532" actId="1076"/>
+      <pc:chgData name="YENI KATERINE CORDOBA VALENCIA" userId="a991a73ee19c1728" providerId="LiveId" clId="{CB6F53C4-B68A-41B9-8C86-DC2473D487D5}" dt="2023-11-30T16:23:22.946" v="1147" actId="404"/>
       <pc:docMkLst>
         <pc:docMk/>
       </pc:docMkLst>
-      <pc:sldChg chg="modSp mod">
-        <pc:chgData name="YENI KATERINE CORDOBA VALENCIA" userId="a991a73ee19c1728" providerId="LiveId" clId="{CB6F53C4-B68A-41B9-8C86-DC2473D487D5}" dt="2023-11-30T15:41:51.268" v="529" actId="20577"/>
+      <pc:sldChg chg="modSp">
+        <pc:chgData name="YENI KATERINE CORDOBA VALENCIA" userId="a991a73ee19c1728" providerId="LiveId" clId="{CB6F53C4-B68A-41B9-8C86-DC2473D487D5}" dt="2023-11-30T16:02:49.252" v="701" actId="1367"/>
+        <pc:sldMkLst>
+          <pc:docMk/>
+          <pc:sldMk cId="1348224455" sldId="256"/>
+        </pc:sldMkLst>
+        <pc:picChg chg="mod">
+          <ac:chgData name="YENI KATERINE CORDOBA VALENCIA" userId="a991a73ee19c1728" providerId="LiveId" clId="{CB6F53C4-B68A-41B9-8C86-DC2473D487D5}" dt="2023-11-30T16:02:49.252" v="701" actId="1367"/>
+          <ac:picMkLst>
+            <pc:docMk/>
+            <pc:sldMk cId="1348224455" sldId="256"/>
+            <ac:picMk id="5" creationId="{D40277F6-BB00-AFF4-BA47-EE5592A348C0}"/>
+          </ac:picMkLst>
+        </pc:picChg>
+      </pc:sldChg>
+      <pc:sldChg chg="modSp">
+        <pc:chgData name="YENI KATERINE CORDOBA VALENCIA" userId="a991a73ee19c1728" providerId="LiveId" clId="{CB6F53C4-B68A-41B9-8C86-DC2473D487D5}" dt="2023-11-30T16:01:59.600" v="695"/>
+        <pc:sldMkLst>
+          <pc:docMk/>
+          <pc:sldMk cId="4145735452" sldId="257"/>
+        </pc:sldMkLst>
+        <pc:picChg chg="mod">
+          <ac:chgData name="YENI KATERINE CORDOBA VALENCIA" userId="a991a73ee19c1728" providerId="LiveId" clId="{CB6F53C4-B68A-41B9-8C86-DC2473D487D5}" dt="2023-11-30T16:01:59.600" v="695"/>
+          <ac:picMkLst>
+            <pc:docMk/>
+            <pc:sldMk cId="4145735452" sldId="257"/>
+            <ac:picMk id="6" creationId="{CDDF041B-B0D6-F872-6FCC-50CA8460849A}"/>
+          </ac:picMkLst>
+        </pc:picChg>
+      </pc:sldChg>
+      <pc:sldChg chg="addSp modSp mod">
+        <pc:chgData name="YENI KATERINE CORDOBA VALENCIA" userId="a991a73ee19c1728" providerId="LiveId" clId="{CB6F53C4-B68A-41B9-8C86-DC2473D487D5}" dt="2023-11-30T16:11:15.602" v="950" actId="14100"/>
         <pc:sldMkLst>
           <pc:docMk/>
           <pc:sldMk cId="406387641" sldId="258"/>
@@ -140,6 +173,29 @@
             <ac:spMk id="9" creationId="{1593180C-7650-0907-AE33-5F123A083C4E}"/>
           </ac:spMkLst>
         </pc:spChg>
+        <pc:picChg chg="add mod">
+          <ac:chgData name="YENI KATERINE CORDOBA VALENCIA" userId="a991a73ee19c1728" providerId="LiveId" clId="{CB6F53C4-B68A-41B9-8C86-DC2473D487D5}" dt="2023-11-30T16:11:15.602" v="950" actId="14100"/>
+          <ac:picMkLst>
+            <pc:docMk/>
+            <pc:sldMk cId="406387641" sldId="258"/>
+            <ac:picMk id="3" creationId="{7C793066-49C1-D423-4FB9-C5F8EF132658}"/>
+          </ac:picMkLst>
+        </pc:picChg>
+      </pc:sldChg>
+      <pc:sldChg chg="addSp modSp mod">
+        <pc:chgData name="YENI KATERINE CORDOBA VALENCIA" userId="a991a73ee19c1728" providerId="LiveId" clId="{CB6F53C4-B68A-41B9-8C86-DC2473D487D5}" dt="2023-11-30T16:01:44.855" v="694" actId="1076"/>
+        <pc:sldMkLst>
+          <pc:docMk/>
+          <pc:sldMk cId="1129605651" sldId="260"/>
+        </pc:sldMkLst>
+        <pc:picChg chg="add mod">
+          <ac:chgData name="YENI KATERINE CORDOBA VALENCIA" userId="a991a73ee19c1728" providerId="LiveId" clId="{CB6F53C4-B68A-41B9-8C86-DC2473D487D5}" dt="2023-11-30T16:01:44.855" v="694" actId="1076"/>
+          <ac:picMkLst>
+            <pc:docMk/>
+            <pc:sldMk cId="1129605651" sldId="260"/>
+            <ac:picMk id="4" creationId="{F69C2D9C-AA22-C449-585F-8C5228134967}"/>
+          </ac:picMkLst>
+        </pc:picChg>
       </pc:sldChg>
       <pc:sldChg chg="addSp delSp modSp mod">
         <pc:chgData name="YENI KATERINE CORDOBA VALENCIA" userId="a991a73ee19c1728" providerId="LiveId" clId="{CB6F53C4-B68A-41B9-8C86-DC2473D487D5}" dt="2023-11-30T15:39:26.518" v="462" actId="1076"/>
@@ -236,8 +292,8 @@
           </ac:picMkLst>
         </pc:picChg>
       </pc:sldChg>
-      <pc:sldChg chg="addSp modSp new mod">
-        <pc:chgData name="YENI KATERINE CORDOBA VALENCIA" userId="a991a73ee19c1728" providerId="LiveId" clId="{CB6F53C4-B68A-41B9-8C86-DC2473D487D5}" dt="2023-11-30T15:43:18.711" v="532" actId="1076"/>
+      <pc:sldChg chg="addSp delSp modSp new mod">
+        <pc:chgData name="YENI KATERINE CORDOBA VALENCIA" userId="a991a73ee19c1728" providerId="LiveId" clId="{CB6F53C4-B68A-41B9-8C86-DC2473D487D5}" dt="2023-11-30T16:00:25.879" v="686" actId="14100"/>
         <pc:sldMkLst>
           <pc:docMk/>
           <pc:sldMk cId="1680607934" sldId="262"/>
@@ -250,12 +306,36 @@
             <ac:spMk id="2" creationId="{84E0BD02-F53B-C127-9C55-FD614C01BD05}"/>
           </ac:spMkLst>
         </pc:spChg>
+        <pc:spChg chg="add del mod">
+          <ac:chgData name="YENI KATERINE CORDOBA VALENCIA" userId="a991a73ee19c1728" providerId="LiveId" clId="{CB6F53C4-B68A-41B9-8C86-DC2473D487D5}" dt="2023-11-30T15:53:41.105" v="536"/>
+          <ac:spMkLst>
+            <pc:docMk/>
+            <pc:sldMk cId="1680607934" sldId="262"/>
+            <ac:spMk id="4" creationId="{F0ECEFE1-0CBF-DE78-B1B1-940E4BE81E4B}"/>
+          </ac:spMkLst>
+        </pc:spChg>
         <pc:spChg chg="add mod">
-          <ac:chgData name="YENI KATERINE CORDOBA VALENCIA" userId="a991a73ee19c1728" providerId="LiveId" clId="{CB6F53C4-B68A-41B9-8C86-DC2473D487D5}" dt="2023-11-30T15:43:18.711" v="532" actId="1076"/>
+          <ac:chgData name="YENI KATERINE CORDOBA VALENCIA" userId="a991a73ee19c1728" providerId="LiveId" clId="{CB6F53C4-B68A-41B9-8C86-DC2473D487D5}" dt="2023-11-30T15:58:10.179" v="671" actId="20577"/>
           <ac:spMkLst>
             <pc:docMk/>
             <pc:sldMk cId="1680607934" sldId="262"/>
             <ac:spMk id="5" creationId="{4A07368F-DBCC-613E-2ACE-0F8A46F85E40}"/>
+          </ac:spMkLst>
+        </pc:spChg>
+        <pc:spChg chg="add del">
+          <ac:chgData name="YENI KATERINE CORDOBA VALENCIA" userId="a991a73ee19c1728" providerId="LiveId" clId="{CB6F53C4-B68A-41B9-8C86-DC2473D487D5}" dt="2023-11-30T15:53:45.606" v="537" actId="478"/>
+          <ac:spMkLst>
+            <pc:docMk/>
+            <pc:sldMk cId="1680607934" sldId="262"/>
+            <ac:spMk id="6" creationId="{2FEA63BD-449E-32D7-25AB-7AB686B54BC2}"/>
+          </ac:spMkLst>
+        </pc:spChg>
+        <pc:spChg chg="add mod">
+          <ac:chgData name="YENI KATERINE CORDOBA VALENCIA" userId="a991a73ee19c1728" providerId="LiveId" clId="{CB6F53C4-B68A-41B9-8C86-DC2473D487D5}" dt="2023-11-30T15:59:30.265" v="681" actId="255"/>
+          <ac:spMkLst>
+            <pc:docMk/>
+            <pc:sldMk cId="1680607934" sldId="262"/>
+            <ac:spMk id="7" creationId="{22006CB6-E668-43F9-437D-8D7D3DE46C34}"/>
           </ac:spMkLst>
         </pc:spChg>
         <pc:picChg chg="add mod">
@@ -264,6 +344,115 @@
             <pc:docMk/>
             <pc:sldMk cId="1680607934" sldId="262"/>
             <ac:picMk id="3" creationId="{A1BFBA4A-0A51-EE3A-EFCA-C43159095228}"/>
+          </ac:picMkLst>
+        </pc:picChg>
+        <pc:picChg chg="add mod">
+          <ac:chgData name="YENI KATERINE CORDOBA VALENCIA" userId="a991a73ee19c1728" providerId="LiveId" clId="{CB6F53C4-B68A-41B9-8C86-DC2473D487D5}" dt="2023-11-30T15:59:36.480" v="682" actId="1076"/>
+          <ac:picMkLst>
+            <pc:docMk/>
+            <pc:sldMk cId="1680607934" sldId="262"/>
+            <ac:picMk id="1026" creationId="{2A9675B0-6717-AAA5-55F7-3F74583915B2}"/>
+          </ac:picMkLst>
+        </pc:picChg>
+        <pc:picChg chg="add mod">
+          <ac:chgData name="YENI KATERINE CORDOBA VALENCIA" userId="a991a73ee19c1728" providerId="LiveId" clId="{CB6F53C4-B68A-41B9-8C86-DC2473D487D5}" dt="2023-11-30T16:00:25.879" v="686" actId="14100"/>
+          <ac:picMkLst>
+            <pc:docMk/>
+            <pc:sldMk cId="1680607934" sldId="262"/>
+            <ac:picMk id="1028" creationId="{1D1006D0-AABB-6C6D-C160-823C65744E06}"/>
+          </ac:picMkLst>
+        </pc:picChg>
+      </pc:sldChg>
+      <pc:sldChg chg="addSp modSp new mod">
+        <pc:chgData name="YENI KATERINE CORDOBA VALENCIA" userId="a991a73ee19c1728" providerId="LiveId" clId="{CB6F53C4-B68A-41B9-8C86-DC2473D487D5}" dt="2023-11-30T16:11:56.702" v="953" actId="120"/>
+        <pc:sldMkLst>
+          <pc:docMk/>
+          <pc:sldMk cId="904275379" sldId="263"/>
+        </pc:sldMkLst>
+        <pc:spChg chg="mod">
+          <ac:chgData name="YENI KATERINE CORDOBA VALENCIA" userId="a991a73ee19c1728" providerId="LiveId" clId="{CB6F53C4-B68A-41B9-8C86-DC2473D487D5}" dt="2023-11-30T16:05:03.579" v="768" actId="207"/>
+          <ac:spMkLst>
+            <pc:docMk/>
+            <pc:sldMk cId="904275379" sldId="263"/>
+            <ac:spMk id="2" creationId="{1EE3A4BA-40C4-1C16-E407-660616232CE6}"/>
+          </ac:spMkLst>
+        </pc:spChg>
+        <pc:spChg chg="add mod">
+          <ac:chgData name="YENI KATERINE CORDOBA VALENCIA" userId="a991a73ee19c1728" providerId="LiveId" clId="{CB6F53C4-B68A-41B9-8C86-DC2473D487D5}" dt="2023-11-30T16:11:56.702" v="953" actId="120"/>
+          <ac:spMkLst>
+            <pc:docMk/>
+            <pc:sldMk cId="904275379" sldId="263"/>
+            <ac:spMk id="3" creationId="{70EB1135-A8CD-F146-B8D8-A91ED7C6A7A0}"/>
+          </ac:spMkLst>
+        </pc:spChg>
+        <pc:picChg chg="add mod">
+          <ac:chgData name="YENI KATERINE CORDOBA VALENCIA" userId="a991a73ee19c1728" providerId="LiveId" clId="{CB6F53C4-B68A-41B9-8C86-DC2473D487D5}" dt="2023-11-30T16:10:42.442" v="945" actId="1076"/>
+          <ac:picMkLst>
+            <pc:docMk/>
+            <pc:sldMk cId="904275379" sldId="263"/>
+            <ac:picMk id="4" creationId="{AFAECA61-15D0-5AA3-0BDA-F94DE06FF6BE}"/>
+          </ac:picMkLst>
+        </pc:picChg>
+        <pc:picChg chg="add mod">
+          <ac:chgData name="YENI KATERINE CORDOBA VALENCIA" userId="a991a73ee19c1728" providerId="LiveId" clId="{CB6F53C4-B68A-41B9-8C86-DC2473D487D5}" dt="2023-11-30T16:09:03.939" v="930" actId="1076"/>
+          <ac:picMkLst>
+            <pc:docMk/>
+            <pc:sldMk cId="904275379" sldId="263"/>
+            <ac:picMk id="2050" creationId="{01814425-3B6C-8CDF-4401-05933464376A}"/>
+          </ac:picMkLst>
+        </pc:picChg>
+        <pc:picChg chg="add mod">
+          <ac:chgData name="YENI KATERINE CORDOBA VALENCIA" userId="a991a73ee19c1728" providerId="LiveId" clId="{CB6F53C4-B68A-41B9-8C86-DC2473D487D5}" dt="2023-11-30T16:11:41.728" v="951" actId="14100"/>
+          <ac:picMkLst>
+            <pc:docMk/>
+            <pc:sldMk cId="904275379" sldId="263"/>
+            <ac:picMk id="2052" creationId="{48E495C9-0F50-21A8-254B-2390EB4A8CFB}"/>
+          </ac:picMkLst>
+        </pc:picChg>
+      </pc:sldChg>
+      <pc:sldChg chg="addSp modSp new mod setBg">
+        <pc:chgData name="YENI KATERINE CORDOBA VALENCIA" userId="a991a73ee19c1728" providerId="LiveId" clId="{CB6F53C4-B68A-41B9-8C86-DC2473D487D5}" dt="2023-11-30T16:16:53.239" v="1001" actId="1076"/>
+        <pc:sldMkLst>
+          <pc:docMk/>
+          <pc:sldMk cId="1600405235" sldId="264"/>
+        </pc:sldMkLst>
+        <pc:spChg chg="mod">
+          <ac:chgData name="YENI KATERINE CORDOBA VALENCIA" userId="a991a73ee19c1728" providerId="LiveId" clId="{CB6F53C4-B68A-41B9-8C86-DC2473D487D5}" dt="2023-11-30T16:14:13.840" v="981" actId="113"/>
+          <ac:spMkLst>
+            <pc:docMk/>
+            <pc:sldMk cId="1600405235" sldId="264"/>
+            <ac:spMk id="2" creationId="{C8C1366C-C584-0F6F-68C7-9B3195C0D314}"/>
+          </ac:spMkLst>
+        </pc:spChg>
+        <pc:spChg chg="add mod">
+          <ac:chgData name="YENI KATERINE CORDOBA VALENCIA" userId="a991a73ee19c1728" providerId="LiveId" clId="{CB6F53C4-B68A-41B9-8C86-DC2473D487D5}" dt="2023-11-30T16:16:53.239" v="1001" actId="1076"/>
+          <ac:spMkLst>
+            <pc:docMk/>
+            <pc:sldMk cId="1600405235" sldId="264"/>
+            <ac:spMk id="3" creationId="{5712880B-6B1B-5532-6658-7106D24D8DFC}"/>
+          </ac:spMkLst>
+        </pc:spChg>
+      </pc:sldChg>
+      <pc:sldChg chg="addSp modSp new mod setBg">
+        <pc:chgData name="YENI KATERINE CORDOBA VALENCIA" userId="a991a73ee19c1728" providerId="LiveId" clId="{CB6F53C4-B68A-41B9-8C86-DC2473D487D5}" dt="2023-11-30T16:23:22.946" v="1147" actId="404"/>
+        <pc:sldMkLst>
+          <pc:docMk/>
+          <pc:sldMk cId="4204161562" sldId="265"/>
+        </pc:sldMkLst>
+        <pc:spChg chg="add mod">
+          <ac:chgData name="YENI KATERINE CORDOBA VALENCIA" userId="a991a73ee19c1728" providerId="LiveId" clId="{CB6F53C4-B68A-41B9-8C86-DC2473D487D5}" dt="2023-11-30T16:23:22.946" v="1147" actId="404"/>
+          <ac:spMkLst>
+            <pc:docMk/>
+            <pc:sldMk cId="4204161562" sldId="265"/>
+            <ac:spMk id="2" creationId="{28C5E5CE-26B3-2BEB-0AAE-47865CAECED6}"/>
+          </ac:spMkLst>
+        </pc:spChg>
+        <pc:picChg chg="add mod">
+          <ac:chgData name="YENI KATERINE CORDOBA VALENCIA" userId="a991a73ee19c1728" providerId="LiveId" clId="{CB6F53C4-B68A-41B9-8C86-DC2473D487D5}" dt="2023-11-30T16:23:01.750" v="1145"/>
+          <ac:picMkLst>
+            <pc:docMk/>
+            <pc:sldMk cId="4204161562" sldId="265"/>
+            <ac:picMk id="3" creationId="{DDAE12CB-E45F-4736-18FA-AC198D60B43A}"/>
           </ac:picMkLst>
         </pc:picChg>
       </pc:sldChg>
@@ -3723,8 +3912,20 @@
         </p:nvPicPr>
         <p:blipFill>
           <a:blip r:embed="rId3">
-            <a:lum bright="70000" contrast="-70000"/>
-            <a:extLst>
+            <a:biLevel thresh="25000"/>
+            <a:extLst>
+              <a:ext uri="{BEBA8EAE-BF5A-486C-A8C5-ECC9F3942E4B}">
+                <a14:imgProps xmlns:a14="http://schemas.microsoft.com/office/drawing/2010/main">
+                  <a14:imgLayer r:embed="rId4">
+                    <a14:imgEffect>
+                      <a14:colorTemperature colorTemp="5900"/>
+                    </a14:imgEffect>
+                    <a14:imgEffect>
+                      <a14:saturation sat="33000"/>
+                    </a14:imgEffect>
+                  </a14:imgLayer>
+                </a14:imgProps>
+              </a:ext>
               <a:ext uri="{28A0092B-C50C-407E-A947-70E740481C1C}">
                 <a14:useLocalDpi xmlns:a14="http://schemas.microsoft.com/office/drawing/2010/main" val="0"/>
               </a:ext>
@@ -3803,7 +4004,15 @@
           <p:nvPr/>
         </p:nvPicPr>
         <p:blipFill>
-          <a:blip r:embed="rId3"/>
+          <a:blip r:embed="rId3">
+            <a:duotone>
+              <a:schemeClr val="bg2">
+                <a:shade val="45000"/>
+                <a:satMod val="135000"/>
+              </a:schemeClr>
+              <a:prstClr val="white"/>
+            </a:duotone>
+          </a:blip>
           <a:stretch>
             <a:fillRect/>
           </a:stretch>
@@ -4309,6 +4518,44 @@
           </a:p>
         </p:txBody>
       </p:sp>
+      <p:pic>
+        <p:nvPicPr>
+          <p:cNvPr id="3" name="Imagen 2">
+            <a:extLst>
+              <a:ext uri="{FF2B5EF4-FFF2-40B4-BE49-F238E27FC236}">
+                <a16:creationId xmlns:a16="http://schemas.microsoft.com/office/drawing/2014/main" id="{7C793066-49C1-D423-4FB9-C5F8EF132658}"/>
+              </a:ext>
+            </a:extLst>
+          </p:cNvPr>
+          <p:cNvPicPr>
+            <a:picLocks noChangeAspect="1"/>
+          </p:cNvPicPr>
+          <p:nvPr/>
+        </p:nvPicPr>
+        <p:blipFill>
+          <a:blip r:embed="rId5">
+            <a:duotone>
+              <a:prstClr val="black"/>
+              <a:srgbClr val="7030A0">
+                <a:tint val="45000"/>
+                <a:satMod val="400000"/>
+              </a:srgbClr>
+            </a:duotone>
+          </a:blip>
+          <a:stretch>
+            <a:fillRect/>
+          </a:stretch>
+        </p:blipFill>
+        <p:spPr>
+          <a:xfrm rot="19919143">
+            <a:off x="425056" y="5263327"/>
+            <a:ext cx="1988949" cy="678374"/>
+          </a:xfrm>
+          <a:prstGeom prst="rect">
+            <a:avLst/>
+          </a:prstGeom>
+        </p:spPr>
+      </p:pic>
     </p:spTree>
     <p:extLst>
       <p:ext uri="{BB962C8B-B14F-4D97-AF65-F5344CB8AC3E}">
@@ -4582,6 +4829,44 @@
           </a:p>
         </p:txBody>
       </p:sp>
+      <p:pic>
+        <p:nvPicPr>
+          <p:cNvPr id="4" name="Imagen 3">
+            <a:extLst>
+              <a:ext uri="{FF2B5EF4-FFF2-40B4-BE49-F238E27FC236}">
+                <a16:creationId xmlns:a16="http://schemas.microsoft.com/office/drawing/2014/main" id="{F69C2D9C-AA22-C449-585F-8C5228134967}"/>
+              </a:ext>
+            </a:extLst>
+          </p:cNvPr>
+          <p:cNvPicPr>
+            <a:picLocks noChangeAspect="1"/>
+          </p:cNvPicPr>
+          <p:nvPr/>
+        </p:nvPicPr>
+        <p:blipFill>
+          <a:blip r:embed="rId3">
+            <a:duotone>
+              <a:schemeClr val="bg2">
+                <a:shade val="45000"/>
+                <a:satMod val="135000"/>
+              </a:schemeClr>
+              <a:prstClr val="white"/>
+            </a:duotone>
+          </a:blip>
+          <a:stretch>
+            <a:fillRect/>
+          </a:stretch>
+        </p:blipFill>
+        <p:spPr>
+          <a:xfrm>
+            <a:off x="4189132" y="3429000"/>
+            <a:ext cx="5855539" cy="1997158"/>
+          </a:xfrm>
+          <a:prstGeom prst="rect">
+            <a:avLst/>
+          </a:prstGeom>
+        </p:spPr>
+      </p:pic>
     </p:spTree>
     <p:extLst>
       <p:ext uri="{BB962C8B-B14F-4D97-AF65-F5344CB8AC3E}">
@@ -5215,8 +5500,8 @@
         </p:nvSpPr>
         <p:spPr>
           <a:xfrm>
-            <a:off x="838200" y="1506022"/>
-            <a:ext cx="6098240" cy="369332"/>
+            <a:off x="838199" y="1506022"/>
+            <a:ext cx="7969625" cy="646331"/>
           </a:xfrm>
           <a:prstGeom prst="rect">
             <a:avLst/>
@@ -5248,12 +5533,903 @@
               <a:t>. CREACIÓN PAGINA PREGUNTAS FALSO O VERDADERO</a:t>
             </a:r>
           </a:p>
-        </p:txBody>
-      </p:sp>
+          <a:p>
+            <a:r>
+              <a:rPr lang="es-ES" b="1" dirty="0">
+                <a:solidFill>
+                  <a:srgbClr val="7030A0"/>
+                </a:solidFill>
+                <a:latin typeface="Bahnschrift" panose="020B0502040204020203" pitchFamily="34" charset="0"/>
+              </a:rPr>
+              <a:t>3. CREACION PAGINA PREGUNTAS CUATRO OPCIONES DE RESPUESTA</a:t>
+            </a:r>
+            <a:endParaRPr lang="es-ES" sz="1800" b="1" dirty="0">
+              <a:solidFill>
+                <a:srgbClr val="7030A0"/>
+              </a:solidFill>
+              <a:latin typeface="Bahnschrift" panose="020B0502040204020203" pitchFamily="34" charset="0"/>
+            </a:endParaRPr>
+          </a:p>
+        </p:txBody>
+      </p:sp>
+      <p:sp>
+        <p:nvSpPr>
+          <p:cNvPr id="7" name="CuadroTexto 6">
+            <a:extLst>
+              <a:ext uri="{FF2B5EF4-FFF2-40B4-BE49-F238E27FC236}">
+                <a16:creationId xmlns:a16="http://schemas.microsoft.com/office/drawing/2014/main" id="{22006CB6-E668-43F9-437D-8D7D3DE46C34}"/>
+              </a:ext>
+            </a:extLst>
+          </p:cNvPr>
+          <p:cNvSpPr txBox="1"/>
+          <p:nvPr/>
+        </p:nvSpPr>
+        <p:spPr>
+          <a:xfrm>
+            <a:off x="838199" y="2305615"/>
+            <a:ext cx="9946342" cy="2031325"/>
+          </a:xfrm>
+          <a:prstGeom prst="rect">
+            <a:avLst/>
+          </a:prstGeom>
+          <a:noFill/>
+        </p:spPr>
+        <p:txBody>
+          <a:bodyPr wrap="square" rtlCol="0">
+            <a:spAutoFit/>
+          </a:bodyPr>
+          <a:lstStyle/>
+          <a:p>
+            <a:pPr algn="just" rtl="0" fontAlgn="base"/>
+            <a:r>
+              <a:rPr lang="es-ES" b="0" i="0" dirty="0">
+                <a:solidFill>
+                  <a:srgbClr val="000000"/>
+                </a:solidFill>
+                <a:effectLst/>
+                <a:latin typeface="Bahnschrift" panose="020B0502040204020203" pitchFamily="34" charset="0"/>
+              </a:rPr>
+              <a:t>Logramos con éxito la replicación visual deseada de los dos tipos de preguntas que aparecen en la aplicación original (Verdadero o falso y las cuatro respuesta). La página ahora presenta una interfaz gráfica atractiva y funcional con estilos CSS. </a:t>
+            </a:r>
+          </a:p>
+          <a:p>
+            <a:pPr algn="just" rtl="0" fontAlgn="base"/>
+            <a:endParaRPr lang="es-ES" b="0" i="0" dirty="0">
+              <a:solidFill>
+                <a:srgbClr val="000000"/>
+              </a:solidFill>
+              <a:effectLst/>
+              <a:latin typeface="Bahnschrift" panose="020B0502040204020203" pitchFamily="34" charset="0"/>
+            </a:endParaRPr>
+          </a:p>
+          <a:p>
+            <a:pPr algn="just" rtl="0" fontAlgn="base"/>
+            <a:r>
+              <a:rPr lang="es-ES" b="0" i="0" dirty="0">
+                <a:solidFill>
+                  <a:srgbClr val="000000"/>
+                </a:solidFill>
+                <a:effectLst/>
+                <a:latin typeface="Bahnschrift" panose="020B0502040204020203" pitchFamily="34" charset="0"/>
+              </a:rPr>
+              <a:t>Utilizamos hojas de estilo CSS para personalizar y mejorar la apariencia visual de nuestro clon de </a:t>
+            </a:r>
+            <a:r>
+              <a:rPr lang="es-ES" b="0" i="0" dirty="0" err="1">
+                <a:solidFill>
+                  <a:srgbClr val="000000"/>
+                </a:solidFill>
+                <a:effectLst/>
+                <a:latin typeface="Bahnschrift" panose="020B0502040204020203" pitchFamily="34" charset="0"/>
+              </a:rPr>
+              <a:t>Kahoot</a:t>
+            </a:r>
+            <a:r>
+              <a:rPr lang="es-ES" b="0" i="0" dirty="0">
+                <a:solidFill>
+                  <a:srgbClr val="000000"/>
+                </a:solidFill>
+                <a:effectLst/>
+                <a:latin typeface="Bahnschrift" panose="020B0502040204020203" pitchFamily="34" charset="0"/>
+              </a:rPr>
+              <a:t>. Esto incluye la selección de colores, fuentes y otros elementos gráficos que contribuyen a una experiencia de usuario más agradable </a:t>
+            </a:r>
+          </a:p>
+        </p:txBody>
+      </p:sp>
+      <p:pic>
+        <p:nvPicPr>
+          <p:cNvPr id="1026" name="Picture 2">
+            <a:extLst>
+              <a:ext uri="{FF2B5EF4-FFF2-40B4-BE49-F238E27FC236}">
+                <a16:creationId xmlns:a16="http://schemas.microsoft.com/office/drawing/2014/main" id="{2A9675B0-6717-AAA5-55F7-3F74583915B2}"/>
+              </a:ext>
+            </a:extLst>
+          </p:cNvPr>
+          <p:cNvPicPr>
+            <a:picLocks noChangeAspect="1" noChangeArrowheads="1"/>
+          </p:cNvPicPr>
+          <p:nvPr/>
+        </p:nvPicPr>
+        <p:blipFill>
+          <a:blip r:embed="rId3">
+            <a:extLst>
+              <a:ext uri="{28A0092B-C50C-407E-A947-70E740481C1C}">
+                <a14:useLocalDpi xmlns:a14="http://schemas.microsoft.com/office/drawing/2010/main" val="0"/>
+              </a:ext>
+            </a:extLst>
+          </a:blip>
+          <a:srcRect/>
+          <a:stretch>
+            <a:fillRect/>
+          </a:stretch>
+        </p:blipFill>
+        <p:spPr bwMode="auto">
+          <a:xfrm>
+            <a:off x="958383" y="4490202"/>
+            <a:ext cx="4094543" cy="2030506"/>
+          </a:xfrm>
+          <a:prstGeom prst="rect">
+            <a:avLst/>
+          </a:prstGeom>
+          <a:noFill/>
+          <a:extLst>
+            <a:ext uri="{909E8E84-426E-40DD-AFC4-6F175D3DCCD1}">
+              <a14:hiddenFill xmlns:a14="http://schemas.microsoft.com/office/drawing/2010/main">
+                <a:solidFill>
+                  <a:srgbClr val="FFFFFF"/>
+                </a:solidFill>
+              </a14:hiddenFill>
+            </a:ext>
+          </a:extLst>
+        </p:spPr>
+      </p:pic>
+      <p:pic>
+        <p:nvPicPr>
+          <p:cNvPr id="1028" name="Picture 4">
+            <a:extLst>
+              <a:ext uri="{FF2B5EF4-FFF2-40B4-BE49-F238E27FC236}">
+                <a16:creationId xmlns:a16="http://schemas.microsoft.com/office/drawing/2014/main" id="{1D1006D0-AABB-6C6D-C160-823C65744E06}"/>
+              </a:ext>
+            </a:extLst>
+          </p:cNvPr>
+          <p:cNvPicPr>
+            <a:picLocks noChangeAspect="1" noChangeArrowheads="1"/>
+          </p:cNvPicPr>
+          <p:nvPr/>
+        </p:nvPicPr>
+        <p:blipFill>
+          <a:blip r:embed="rId4">
+            <a:extLst>
+              <a:ext uri="{28A0092B-C50C-407E-A947-70E740481C1C}">
+                <a14:useLocalDpi xmlns:a14="http://schemas.microsoft.com/office/drawing/2010/main" val="0"/>
+              </a:ext>
+            </a:extLst>
+          </a:blip>
+          <a:srcRect/>
+          <a:stretch>
+            <a:fillRect/>
+          </a:stretch>
+        </p:blipFill>
+        <p:spPr bwMode="auto">
+          <a:xfrm>
+            <a:off x="5903063" y="4490203"/>
+            <a:ext cx="4094543" cy="2030506"/>
+          </a:xfrm>
+          <a:prstGeom prst="rect">
+            <a:avLst/>
+          </a:prstGeom>
+          <a:noFill/>
+          <a:extLst>
+            <a:ext uri="{909E8E84-426E-40DD-AFC4-6F175D3DCCD1}">
+              <a14:hiddenFill xmlns:a14="http://schemas.microsoft.com/office/drawing/2010/main">
+                <a:solidFill>
+                  <a:srgbClr val="FFFFFF"/>
+                </a:solidFill>
+              </a14:hiddenFill>
+            </a:ext>
+          </a:extLst>
+        </p:spPr>
+      </p:pic>
     </p:spTree>
     <p:extLst>
       <p:ext uri="{BB962C8B-B14F-4D97-AF65-F5344CB8AC3E}">
         <p14:creationId xmlns:p14="http://schemas.microsoft.com/office/powerpoint/2010/main" val="1680607934"/>
+      </p:ext>
+    </p:extLst>
+  </p:cSld>
+  <p:clrMapOvr>
+    <a:masterClrMapping/>
+  </p:clrMapOvr>
+</p:sld>
+</file>
+
+<file path=ppt/slides/slide7.xml><?xml version="1.0" encoding="utf-8"?>
+<p:sld xmlns:a="http://schemas.openxmlformats.org/drawingml/2006/main" xmlns:r="http://schemas.openxmlformats.org/officeDocument/2006/relationships" xmlns:p="http://schemas.openxmlformats.org/presentationml/2006/main">
+  <p:cSld>
+    <p:spTree>
+      <p:nvGrpSpPr>
+        <p:cNvPr id="1" name=""/>
+        <p:cNvGrpSpPr/>
+        <p:nvPr/>
+      </p:nvGrpSpPr>
+      <p:grpSpPr>
+        <a:xfrm>
+          <a:off x="0" y="0"/>
+          <a:ext cx="0" cy="0"/>
+          <a:chOff x="0" y="0"/>
+          <a:chExt cx="0" cy="0"/>
+        </a:xfrm>
+      </p:grpSpPr>
+      <p:sp>
+        <p:nvSpPr>
+          <p:cNvPr id="2" name="Título 1">
+            <a:extLst>
+              <a:ext uri="{FF2B5EF4-FFF2-40B4-BE49-F238E27FC236}">
+                <a16:creationId xmlns:a16="http://schemas.microsoft.com/office/drawing/2014/main" id="{1EE3A4BA-40C4-1C16-E407-660616232CE6}"/>
+              </a:ext>
+            </a:extLst>
+          </p:cNvPr>
+          <p:cNvSpPr>
+            <a:spLocks noGrp="1"/>
+          </p:cNvSpPr>
+          <p:nvPr>
+            <p:ph type="title"/>
+          </p:nvPr>
+        </p:nvSpPr>
+        <p:spPr/>
+        <p:txBody>
+          <a:bodyPr/>
+          <a:lstStyle/>
+          <a:p>
+            <a:r>
+              <a:rPr lang="es-ES" dirty="0">
+                <a:solidFill>
+                  <a:srgbClr val="7030A0"/>
+                </a:solidFill>
+                <a:latin typeface="Arial Rounded MT Bold" panose="020F0704030504030204" pitchFamily="34" charset="0"/>
+              </a:rPr>
+              <a:t>PROYECTO EN GITHUB</a:t>
+            </a:r>
+            <a:endParaRPr lang="es-CO" dirty="0">
+              <a:solidFill>
+                <a:srgbClr val="7030A0"/>
+              </a:solidFill>
+              <a:latin typeface="Arial Rounded MT Bold" panose="020F0704030504030204" pitchFamily="34" charset="0"/>
+            </a:endParaRPr>
+          </a:p>
+        </p:txBody>
+      </p:sp>
+      <p:sp>
+        <p:nvSpPr>
+          <p:cNvPr id="3" name="CuadroTexto 2">
+            <a:extLst>
+              <a:ext uri="{FF2B5EF4-FFF2-40B4-BE49-F238E27FC236}">
+                <a16:creationId xmlns:a16="http://schemas.microsoft.com/office/drawing/2014/main" id="{70EB1135-A8CD-F146-B8D8-A91ED7C6A7A0}"/>
+              </a:ext>
+            </a:extLst>
+          </p:cNvPr>
+          <p:cNvSpPr txBox="1"/>
+          <p:nvPr/>
+        </p:nvSpPr>
+        <p:spPr>
+          <a:xfrm>
+            <a:off x="972670" y="1690688"/>
+            <a:ext cx="7404848" cy="1477328"/>
+          </a:xfrm>
+          <a:prstGeom prst="rect">
+            <a:avLst/>
+          </a:prstGeom>
+          <a:noFill/>
+        </p:spPr>
+        <p:txBody>
+          <a:bodyPr wrap="square" rtlCol="0">
+            <a:spAutoFit/>
+          </a:bodyPr>
+          <a:lstStyle/>
+          <a:p>
+            <a:r>
+              <a:rPr lang="es-ES" sz="1800" b="0" i="0" dirty="0">
+                <a:solidFill>
+                  <a:srgbClr val="7030A0"/>
+                </a:solidFill>
+                <a:effectLst/>
+                <a:latin typeface="Bahnschrift" panose="020B0502040204020203" pitchFamily="34" charset="0"/>
+              </a:rPr>
+              <a:t>Desde la parte inicial del proyecto, se creó un reportorio para acceso de todos los integrantes del grupo, lo cual nos permitió realizar el clon de KAHOOT de forma coordinada.</a:t>
+            </a:r>
+            <a:br>
+              <a:rPr lang="es-ES" sz="1800" b="0" i="0" dirty="0">
+                <a:solidFill>
+                  <a:srgbClr val="7030A0"/>
+                </a:solidFill>
+                <a:effectLst/>
+                <a:latin typeface="Bahnschrift" panose="020B0502040204020203" pitchFamily="34" charset="0"/>
+              </a:rPr>
+            </a:br>
+            <a:r>
+              <a:rPr lang="es-ES" sz="1800" b="0" i="0" dirty="0">
+                <a:solidFill>
+                  <a:srgbClr val="7030A0"/>
+                </a:solidFill>
+                <a:effectLst/>
+                <a:latin typeface="Bahnschrift" panose="020B0502040204020203" pitchFamily="34" charset="0"/>
+              </a:rPr>
+              <a:t> </a:t>
+            </a:r>
+            <a:br>
+              <a:rPr lang="es-ES" sz="1800" b="0" i="0" dirty="0">
+                <a:solidFill>
+                  <a:srgbClr val="7030A0"/>
+                </a:solidFill>
+                <a:effectLst/>
+                <a:latin typeface="Bahnschrift" panose="020B0502040204020203" pitchFamily="34" charset="0"/>
+              </a:rPr>
+            </a:br>
+            <a:r>
+              <a:rPr lang="es-ES" sz="1800" b="0" i="0" dirty="0">
+                <a:solidFill>
+                  <a:srgbClr val="7030A0"/>
+                </a:solidFill>
+                <a:effectLst/>
+                <a:latin typeface="Bahnschrift" panose="020B0502040204020203" pitchFamily="34" charset="0"/>
+              </a:rPr>
+              <a:t>https://github.com/eschala/Proyecto_Clonaci-n_Kahoot_2023-2 </a:t>
+            </a:r>
+            <a:endParaRPr lang="es-CO" dirty="0">
+              <a:solidFill>
+                <a:srgbClr val="7030A0"/>
+              </a:solidFill>
+              <a:latin typeface="Bahnschrift" panose="020B0502040204020203" pitchFamily="34" charset="0"/>
+            </a:endParaRPr>
+          </a:p>
+        </p:txBody>
+      </p:sp>
+      <p:pic>
+        <p:nvPicPr>
+          <p:cNvPr id="2050" name="Picture 2">
+            <a:extLst>
+              <a:ext uri="{FF2B5EF4-FFF2-40B4-BE49-F238E27FC236}">
+                <a16:creationId xmlns:a16="http://schemas.microsoft.com/office/drawing/2014/main" id="{01814425-3B6C-8CDF-4401-05933464376A}"/>
+              </a:ext>
+            </a:extLst>
+          </p:cNvPr>
+          <p:cNvPicPr>
+            <a:picLocks noChangeAspect="1" noChangeArrowheads="1"/>
+          </p:cNvPicPr>
+          <p:nvPr/>
+        </p:nvPicPr>
+        <p:blipFill>
+          <a:blip r:embed="rId2">
+            <a:extLst>
+              <a:ext uri="{28A0092B-C50C-407E-A947-70E740481C1C}">
+                <a14:useLocalDpi xmlns:a14="http://schemas.microsoft.com/office/drawing/2010/main" val="0"/>
+              </a:ext>
+            </a:extLst>
+          </a:blip>
+          <a:srcRect/>
+          <a:stretch>
+            <a:fillRect/>
+          </a:stretch>
+        </p:blipFill>
+        <p:spPr bwMode="auto">
+          <a:xfrm>
+            <a:off x="1066799" y="3429000"/>
+            <a:ext cx="5237092" cy="2474259"/>
+          </a:xfrm>
+          <a:prstGeom prst="rect">
+            <a:avLst/>
+          </a:prstGeom>
+          <a:noFill/>
+          <a:extLst>
+            <a:ext uri="{909E8E84-426E-40DD-AFC4-6F175D3DCCD1}">
+              <a14:hiddenFill xmlns:a14="http://schemas.microsoft.com/office/drawing/2010/main">
+                <a:solidFill>
+                  <a:srgbClr val="FFFFFF"/>
+                </a:solidFill>
+              </a14:hiddenFill>
+            </a:ext>
+          </a:extLst>
+        </p:spPr>
+      </p:pic>
+      <p:pic>
+        <p:nvPicPr>
+          <p:cNvPr id="2052" name="Picture 4">
+            <a:extLst>
+              <a:ext uri="{FF2B5EF4-FFF2-40B4-BE49-F238E27FC236}">
+                <a16:creationId xmlns:a16="http://schemas.microsoft.com/office/drawing/2014/main" id="{48E495C9-0F50-21A8-254B-2390EB4A8CFB}"/>
+              </a:ext>
+            </a:extLst>
+          </p:cNvPr>
+          <p:cNvPicPr>
+            <a:picLocks noChangeAspect="1" noChangeArrowheads="1"/>
+          </p:cNvPicPr>
+          <p:nvPr/>
+        </p:nvPicPr>
+        <p:blipFill>
+          <a:blip r:embed="rId3">
+            <a:extLst>
+              <a:ext uri="{28A0092B-C50C-407E-A947-70E740481C1C}">
+                <a14:useLocalDpi xmlns:a14="http://schemas.microsoft.com/office/drawing/2010/main" val="0"/>
+              </a:ext>
+            </a:extLst>
+          </a:blip>
+          <a:srcRect/>
+          <a:stretch>
+            <a:fillRect/>
+          </a:stretch>
+        </p:blipFill>
+        <p:spPr bwMode="auto">
+          <a:xfrm>
+            <a:off x="6632202" y="3428999"/>
+            <a:ext cx="4724245" cy="3063875"/>
+          </a:xfrm>
+          <a:prstGeom prst="rect">
+            <a:avLst/>
+          </a:prstGeom>
+          <a:noFill/>
+          <a:extLst>
+            <a:ext uri="{909E8E84-426E-40DD-AFC4-6F175D3DCCD1}">
+              <a14:hiddenFill xmlns:a14="http://schemas.microsoft.com/office/drawing/2010/main">
+                <a:solidFill>
+                  <a:srgbClr val="FFFFFF"/>
+                </a:solidFill>
+              </a14:hiddenFill>
+            </a:ext>
+          </a:extLst>
+        </p:spPr>
+      </p:pic>
+      <p:pic>
+        <p:nvPicPr>
+          <p:cNvPr id="4" name="Imagen 3">
+            <a:extLst>
+              <a:ext uri="{FF2B5EF4-FFF2-40B4-BE49-F238E27FC236}">
+                <a16:creationId xmlns:a16="http://schemas.microsoft.com/office/drawing/2014/main" id="{AFAECA61-15D0-5AA3-0BDA-F94DE06FF6BE}"/>
+              </a:ext>
+            </a:extLst>
+          </p:cNvPr>
+          <p:cNvPicPr>
+            <a:picLocks noChangeAspect="1"/>
+          </p:cNvPicPr>
+          <p:nvPr/>
+        </p:nvPicPr>
+        <p:blipFill>
+          <a:blip r:embed="rId4">
+            <a:duotone>
+              <a:prstClr val="black"/>
+              <a:srgbClr val="7030A0">
+                <a:tint val="45000"/>
+                <a:satMod val="400000"/>
+              </a:srgbClr>
+            </a:duotone>
+          </a:blip>
+          <a:stretch>
+            <a:fillRect/>
+          </a:stretch>
+        </p:blipFill>
+        <p:spPr>
+          <a:xfrm rot="19990095">
+            <a:off x="8457782" y="1266085"/>
+            <a:ext cx="3468164" cy="1182892"/>
+          </a:xfrm>
+          <a:prstGeom prst="rect">
+            <a:avLst/>
+          </a:prstGeom>
+        </p:spPr>
+      </p:pic>
+    </p:spTree>
+    <p:extLst>
+      <p:ext uri="{BB962C8B-B14F-4D97-AF65-F5344CB8AC3E}">
+        <p14:creationId xmlns:p14="http://schemas.microsoft.com/office/powerpoint/2010/main" val="904275379"/>
+      </p:ext>
+    </p:extLst>
+  </p:cSld>
+  <p:clrMapOvr>
+    <a:masterClrMapping/>
+  </p:clrMapOvr>
+</p:sld>
+</file>
+
+<file path=ppt/slides/slide8.xml><?xml version="1.0" encoding="utf-8"?>
+<p:sld xmlns:a="http://schemas.openxmlformats.org/drawingml/2006/main" xmlns:r="http://schemas.openxmlformats.org/officeDocument/2006/relationships" xmlns:p="http://schemas.openxmlformats.org/presentationml/2006/main">
+  <p:cSld>
+    <p:bg>
+      <p:bgPr>
+        <a:blipFill dpi="0" rotWithShape="1">
+          <a:blip r:embed="rId2">
+            <a:lum/>
+          </a:blip>
+          <a:srcRect/>
+          <a:stretch>
+            <a:fillRect l="-13000" r="-13000"/>
+          </a:stretch>
+        </a:blipFill>
+        <a:effectLst/>
+      </p:bgPr>
+    </p:bg>
+    <p:spTree>
+      <p:nvGrpSpPr>
+        <p:cNvPr id="1" name=""/>
+        <p:cNvGrpSpPr/>
+        <p:nvPr/>
+      </p:nvGrpSpPr>
+      <p:grpSpPr>
+        <a:xfrm>
+          <a:off x="0" y="0"/>
+          <a:ext cx="0" cy="0"/>
+          <a:chOff x="0" y="0"/>
+          <a:chExt cx="0" cy="0"/>
+        </a:xfrm>
+      </p:grpSpPr>
+      <p:sp>
+        <p:nvSpPr>
+          <p:cNvPr id="2" name="Título 1">
+            <a:extLst>
+              <a:ext uri="{FF2B5EF4-FFF2-40B4-BE49-F238E27FC236}">
+                <a16:creationId xmlns:a16="http://schemas.microsoft.com/office/drawing/2014/main" id="{C8C1366C-C584-0F6F-68C7-9B3195C0D314}"/>
+              </a:ext>
+            </a:extLst>
+          </p:cNvPr>
+          <p:cNvSpPr>
+            <a:spLocks noGrp="1"/>
+          </p:cNvSpPr>
+          <p:nvPr>
+            <p:ph type="title"/>
+          </p:nvPr>
+        </p:nvSpPr>
+        <p:spPr/>
+        <p:txBody>
+          <a:bodyPr/>
+          <a:lstStyle/>
+          <a:p>
+            <a:r>
+              <a:rPr lang="es-ES" b="1" dirty="0">
+                <a:solidFill>
+                  <a:schemeClr val="bg1"/>
+                </a:solidFill>
+                <a:latin typeface="Arial Rounded MT Bold" panose="020F0704030504030204" pitchFamily="34" charset="0"/>
+              </a:rPr>
+              <a:t>CONCLUSIONES</a:t>
+            </a:r>
+            <a:endParaRPr lang="es-CO" b="1" dirty="0">
+              <a:solidFill>
+                <a:schemeClr val="bg1"/>
+              </a:solidFill>
+              <a:latin typeface="Arial Rounded MT Bold" panose="020F0704030504030204" pitchFamily="34" charset="0"/>
+            </a:endParaRPr>
+          </a:p>
+        </p:txBody>
+      </p:sp>
+      <p:sp>
+        <p:nvSpPr>
+          <p:cNvPr id="3" name="CuadroTexto 2">
+            <a:extLst>
+              <a:ext uri="{FF2B5EF4-FFF2-40B4-BE49-F238E27FC236}">
+                <a16:creationId xmlns:a16="http://schemas.microsoft.com/office/drawing/2014/main" id="{5712880B-6B1B-5532-6658-7106D24D8DFC}"/>
+              </a:ext>
+            </a:extLst>
+          </p:cNvPr>
+          <p:cNvSpPr txBox="1"/>
+          <p:nvPr/>
+        </p:nvSpPr>
+        <p:spPr>
+          <a:xfrm>
+            <a:off x="838200" y="1842869"/>
+            <a:ext cx="9867314" cy="3477875"/>
+          </a:xfrm>
+          <a:prstGeom prst="rect">
+            <a:avLst/>
+          </a:prstGeom>
+          <a:noFill/>
+        </p:spPr>
+        <p:txBody>
+          <a:bodyPr wrap="square" rtlCol="0">
+            <a:spAutoFit/>
+          </a:bodyPr>
+          <a:lstStyle/>
+          <a:p>
+            <a:pPr algn="just"/>
+            <a:r>
+              <a:rPr lang="es-ES" sz="2000" b="0" i="0" dirty="0">
+                <a:solidFill>
+                  <a:schemeClr val="bg1"/>
+                </a:solidFill>
+                <a:effectLst/>
+                <a:latin typeface="Bahnschrift" panose="020B0502040204020203" pitchFamily="34" charset="0"/>
+              </a:rPr>
+              <a:t>La culminación de este aprendizaje se reflejó en la creación exitosa de un proyecto final que consistió en la reproducción de varias funcionalidades de la plataforma </a:t>
+            </a:r>
+            <a:r>
+              <a:rPr lang="es-ES" sz="2000" b="0" i="0" dirty="0" err="1">
+                <a:solidFill>
+                  <a:schemeClr val="bg1"/>
+                </a:solidFill>
+                <a:effectLst/>
+                <a:latin typeface="Bahnschrift" panose="020B0502040204020203" pitchFamily="34" charset="0"/>
+              </a:rPr>
+              <a:t>Kahoot</a:t>
+            </a:r>
+            <a:r>
+              <a:rPr lang="es-ES" sz="2000" dirty="0">
+                <a:solidFill>
+                  <a:schemeClr val="bg1"/>
+                </a:solidFill>
+                <a:latin typeface="Bahnschrift" panose="020B0502040204020203" pitchFamily="34" charset="0"/>
+              </a:rPr>
+              <a:t>, e</a:t>
+            </a:r>
+            <a:r>
+              <a:rPr lang="es-ES" sz="2000" b="0" i="0" dirty="0">
+                <a:solidFill>
+                  <a:schemeClr val="bg1"/>
+                </a:solidFill>
+                <a:effectLst/>
+                <a:latin typeface="Bahnschrift" panose="020B0502040204020203" pitchFamily="34" charset="0"/>
+              </a:rPr>
+              <a:t>ste ejercicio práctico no solo demostró la comprensión de los conceptos enseñados, sino también la capacidad para aplicarlos en un contexto real.</a:t>
+            </a:r>
+          </a:p>
+          <a:p>
+            <a:pPr algn="just"/>
+            <a:endParaRPr lang="es-ES" sz="2000" dirty="0">
+              <a:solidFill>
+                <a:schemeClr val="bg1"/>
+              </a:solidFill>
+              <a:latin typeface="Bahnschrift" panose="020B0502040204020203" pitchFamily="34" charset="0"/>
+            </a:endParaRPr>
+          </a:p>
+          <a:p>
+            <a:pPr algn="just"/>
+            <a:r>
+              <a:rPr lang="es-ES" sz="2000" b="0" i="0" dirty="0">
+                <a:solidFill>
+                  <a:schemeClr val="bg1"/>
+                </a:solidFill>
+                <a:effectLst/>
+                <a:latin typeface="Bahnschrift" panose="020B0502040204020203" pitchFamily="34" charset="0"/>
+              </a:rPr>
+              <a:t> El proceso de crear una réplica de las páginas de </a:t>
+            </a:r>
+            <a:r>
+              <a:rPr lang="es-ES" sz="2000" b="0" i="0" dirty="0" err="1">
+                <a:solidFill>
+                  <a:schemeClr val="bg1"/>
+                </a:solidFill>
+                <a:effectLst/>
+                <a:latin typeface="Bahnschrift" panose="020B0502040204020203" pitchFamily="34" charset="0"/>
+              </a:rPr>
+              <a:t>Kahoot</a:t>
+            </a:r>
+            <a:r>
+              <a:rPr lang="es-ES" sz="2000" b="0" i="0" dirty="0">
+                <a:solidFill>
+                  <a:schemeClr val="bg1"/>
+                </a:solidFill>
+                <a:effectLst/>
+                <a:latin typeface="Bahnschrift" panose="020B0502040204020203" pitchFamily="34" charset="0"/>
+              </a:rPr>
+              <a:t> implicó el uso efectivo de HTML para la estructura, CSS para el diseño y estilos visuales, así como JavaScript para dotar de interactividad y dinamismo a la interfaz. </a:t>
+            </a:r>
+          </a:p>
+          <a:p>
+            <a:pPr algn="just"/>
+            <a:endParaRPr lang="es-ES" sz="2000" dirty="0">
+              <a:solidFill>
+                <a:schemeClr val="bg1"/>
+              </a:solidFill>
+              <a:latin typeface="Bahnschrift" panose="020B0502040204020203" pitchFamily="34" charset="0"/>
+            </a:endParaRPr>
+          </a:p>
+          <a:p>
+            <a:pPr algn="just"/>
+            <a:r>
+              <a:rPr lang="es-ES" sz="2000" b="0" i="0" dirty="0">
+                <a:solidFill>
+                  <a:schemeClr val="bg1"/>
+                </a:solidFill>
+                <a:effectLst/>
+                <a:latin typeface="Bahnschrift" panose="020B0502040204020203" pitchFamily="34" charset="0"/>
+              </a:rPr>
+              <a:t>Esta experiencia ha sido invaluable para consolidar los fundamentos del desarrollo web y sentar las bases para proyectos futuros más complejos y desafiantes. </a:t>
+            </a:r>
+            <a:endParaRPr lang="es-CO" sz="2000" dirty="0">
+              <a:solidFill>
+                <a:schemeClr val="bg1"/>
+              </a:solidFill>
+              <a:latin typeface="Bahnschrift" panose="020B0502040204020203" pitchFamily="34" charset="0"/>
+            </a:endParaRPr>
+          </a:p>
+        </p:txBody>
+      </p:sp>
+    </p:spTree>
+    <p:extLst>
+      <p:ext uri="{BB962C8B-B14F-4D97-AF65-F5344CB8AC3E}">
+        <p14:creationId xmlns:p14="http://schemas.microsoft.com/office/powerpoint/2010/main" val="1600405235"/>
+      </p:ext>
+    </p:extLst>
+  </p:cSld>
+  <p:clrMapOvr>
+    <a:masterClrMapping/>
+  </p:clrMapOvr>
+</p:sld>
+</file>
+
+<file path=ppt/slides/slide9.xml><?xml version="1.0" encoding="utf-8"?>
+<p:sld xmlns:a="http://schemas.openxmlformats.org/drawingml/2006/main" xmlns:r="http://schemas.openxmlformats.org/officeDocument/2006/relationships" xmlns:p="http://schemas.openxmlformats.org/presentationml/2006/main">
+  <p:cSld>
+    <p:bg>
+      <p:bgPr>
+        <a:blipFill dpi="0" rotWithShape="1">
+          <a:blip r:embed="rId2">
+            <a:lum/>
+          </a:blip>
+          <a:srcRect/>
+          <a:stretch>
+            <a:fillRect l="-13000" r="-13000"/>
+          </a:stretch>
+        </a:blipFill>
+        <a:effectLst/>
+      </p:bgPr>
+    </p:bg>
+    <p:spTree>
+      <p:nvGrpSpPr>
+        <p:cNvPr id="1" name=""/>
+        <p:cNvGrpSpPr/>
+        <p:nvPr/>
+      </p:nvGrpSpPr>
+      <p:grpSpPr>
+        <a:xfrm>
+          <a:off x="0" y="0"/>
+          <a:ext cx="0" cy="0"/>
+          <a:chOff x="0" y="0"/>
+          <a:chExt cx="0" cy="0"/>
+        </a:xfrm>
+      </p:grpSpPr>
+      <p:sp>
+        <p:nvSpPr>
+          <p:cNvPr id="2" name="CuadroTexto 1">
+            <a:extLst>
+              <a:ext uri="{FF2B5EF4-FFF2-40B4-BE49-F238E27FC236}">
+                <a16:creationId xmlns:a16="http://schemas.microsoft.com/office/drawing/2014/main" id="{28C5E5CE-26B3-2BEB-0AAE-47865CAECED6}"/>
+              </a:ext>
+            </a:extLst>
+          </p:cNvPr>
+          <p:cNvSpPr txBox="1"/>
+          <p:nvPr/>
+        </p:nvSpPr>
+        <p:spPr>
+          <a:xfrm>
+            <a:off x="1676565" y="2102839"/>
+            <a:ext cx="8377518" cy="2616101"/>
+          </a:xfrm>
+          <a:prstGeom prst="rect">
+            <a:avLst/>
+          </a:prstGeom>
+          <a:noFill/>
+        </p:spPr>
+        <p:txBody>
+          <a:bodyPr wrap="square" rtlCol="0">
+            <a:spAutoFit/>
+          </a:bodyPr>
+          <a:lstStyle/>
+          <a:p>
+            <a:r>
+              <a:rPr lang="es-ES" sz="3200" i="1" dirty="0">
+                <a:solidFill>
+                  <a:schemeClr val="bg1"/>
+                </a:solidFill>
+                <a:latin typeface="Arial Rounded MT Bold" panose="020F0704030504030204" pitchFamily="34" charset="0"/>
+              </a:rPr>
+              <a:t>ACONTINUACIÓN VEAMOS…</a:t>
+            </a:r>
+          </a:p>
+          <a:p>
+            <a:endParaRPr lang="es-ES" sz="3200" i="1" dirty="0">
+              <a:solidFill>
+                <a:srgbClr val="7030A0"/>
+              </a:solidFill>
+              <a:latin typeface="Arial Rounded MT Bold" panose="020F0704030504030204" pitchFamily="34" charset="0"/>
+            </a:endParaRPr>
+          </a:p>
+          <a:p>
+            <a:endParaRPr lang="es-ES" sz="3200" i="1" dirty="0">
+              <a:solidFill>
+                <a:srgbClr val="7030A0"/>
+              </a:solidFill>
+              <a:latin typeface="Arial Rounded MT Bold" panose="020F0704030504030204" pitchFamily="34" charset="0"/>
+            </a:endParaRPr>
+          </a:p>
+          <a:p>
+            <a:endParaRPr lang="es-ES" sz="3200" i="1" dirty="0">
+              <a:solidFill>
+                <a:srgbClr val="7030A0"/>
+              </a:solidFill>
+              <a:latin typeface="Arial Rounded MT Bold" panose="020F0704030504030204" pitchFamily="34" charset="0"/>
+            </a:endParaRPr>
+          </a:p>
+          <a:p>
+            <a:pPr algn="ctr"/>
+            <a:r>
+              <a:rPr lang="es-ES" sz="3200" i="1" dirty="0">
+                <a:solidFill>
+                  <a:srgbClr val="7030A0"/>
+                </a:solidFill>
+                <a:latin typeface="Arial Rounded MT Bold" panose="020F0704030504030204" pitchFamily="34" charset="0"/>
+              </a:rPr>
+              <a:t> </a:t>
+            </a:r>
+            <a:r>
+              <a:rPr lang="es-ES" sz="3200" b="1" dirty="0">
+                <a:solidFill>
+                  <a:schemeClr val="bg1"/>
+                </a:solidFill>
+                <a:latin typeface="Arial Rounded MT Bold" panose="020F0704030504030204" pitchFamily="34" charset="0"/>
+              </a:rPr>
+              <a:t>EL CLON</a:t>
+            </a:r>
+            <a:r>
+              <a:rPr lang="es-ES" sz="3200" b="1" dirty="0">
+                <a:solidFill>
+                  <a:srgbClr val="7030A0"/>
+                </a:solidFill>
+                <a:latin typeface="Arial Rounded MT Bold" panose="020F0704030504030204" pitchFamily="34" charset="0"/>
+              </a:rPr>
+              <a:t>		</a:t>
+            </a:r>
+            <a:r>
+              <a:rPr lang="es-ES" sz="3200" i="1" dirty="0">
+                <a:solidFill>
+                  <a:srgbClr val="7030A0"/>
+                </a:solidFill>
+                <a:latin typeface="Arial Rounded MT Bold" panose="020F0704030504030204" pitchFamily="34" charset="0"/>
+              </a:rPr>
+              <a:t>		 </a:t>
+            </a:r>
+            <a:endParaRPr lang="es-CO" sz="3200" i="1" dirty="0">
+              <a:solidFill>
+                <a:srgbClr val="7030A0"/>
+              </a:solidFill>
+              <a:latin typeface="Arial Rounded MT Bold" panose="020F0704030504030204" pitchFamily="34" charset="0"/>
+            </a:endParaRPr>
+          </a:p>
+        </p:txBody>
+      </p:sp>
+      <p:pic>
+        <p:nvPicPr>
+          <p:cNvPr id="3" name="Imagen 2">
+            <a:extLst>
+              <a:ext uri="{FF2B5EF4-FFF2-40B4-BE49-F238E27FC236}">
+                <a16:creationId xmlns:a16="http://schemas.microsoft.com/office/drawing/2014/main" id="{DDAE12CB-E45F-4736-18FA-AC198D60B43A}"/>
+              </a:ext>
+            </a:extLst>
+          </p:cNvPr>
+          <p:cNvPicPr>
+            <a:picLocks noChangeAspect="1"/>
+          </p:cNvPicPr>
+          <p:nvPr/>
+        </p:nvPicPr>
+        <p:blipFill>
+          <a:blip r:embed="rId3">
+            <a:lum bright="70000" contrast="-70000"/>
+          </a:blip>
+          <a:stretch>
+            <a:fillRect/>
+          </a:stretch>
+        </p:blipFill>
+        <p:spPr>
+          <a:xfrm>
+            <a:off x="5344877" y="3181685"/>
+            <a:ext cx="4336840" cy="1475699"/>
+          </a:xfrm>
+          <a:prstGeom prst="rect">
+            <a:avLst/>
+          </a:prstGeom>
+        </p:spPr>
+      </p:pic>
+    </p:spTree>
+    <p:extLst>
+      <p:ext uri="{BB962C8B-B14F-4D97-AF65-F5344CB8AC3E}">
+        <p14:creationId xmlns:p14="http://schemas.microsoft.com/office/powerpoint/2010/main" val="4204161562"/>
       </p:ext>
     </p:extLst>
   </p:cSld>
